--- a/Pitch Deck Template_GROUP4.pptx
+++ b/Pitch Deck Template_GROUP4.pptx
@@ -22,22 +22,29 @@
   <p:notesSz cx="6858000" cy="9144000"/>
   <p:embeddedFontLst>
     <p:embeddedFont>
-      <p:font typeface="Alfa Slab One" pitchFamily="2" charset="77"/>
+      <p:font typeface="Roboto" panose="020B0604020202020204" charset="0"/>
       <p:regular r:id="rId12"/>
+      <p:bold r:id="rId13"/>
+      <p:italic r:id="rId14"/>
+      <p:boldItalic r:id="rId15"/>
     </p:embeddedFont>
     <p:embeddedFont>
-      <p:font typeface="Proxima Nova" panose="02000506030000020004" pitchFamily="2" charset="0"/>
-      <p:regular r:id="rId13"/>
-      <p:bold r:id="rId14"/>
-      <p:italic r:id="rId15"/>
-      <p:boldItalic r:id="rId16"/>
+      <p:font typeface="Alfa Slab One" panose="020B0604020202020204" charset="0"/>
+      <p:regular r:id="rId16"/>
     </p:embeddedFont>
     <p:embeddedFont>
-      <p:font typeface="Roboto" panose="02000000000000000000" pitchFamily="2" charset="0"/>
+      <p:font typeface="Proxima Nova" panose="020B0604020202020204" charset="0"/>
       <p:regular r:id="rId17"/>
       <p:bold r:id="rId18"/>
       <p:italic r:id="rId19"/>
       <p:boldItalic r:id="rId20"/>
+    </p:embeddedFont>
+    <p:embeddedFont>
+      <p:font typeface="Calibri" panose="020F0502020204030204" pitchFamily="34" charset="0"/>
+      <p:regular r:id="rId21"/>
+      <p:bold r:id="rId22"/>
+      <p:italic r:id="rId23"/>
+      <p:boldItalic r:id="rId24"/>
     </p:embeddedFont>
   </p:embeddedFontLst>
   <p:defaultTextStyle>
@@ -495,6 +502,11 @@
         </p:txBody>
       </p:sp>
     </p:spTree>
+    <p:extLst>
+      <p:ext uri="{BB962C8B-B14F-4D97-AF65-F5344CB8AC3E}">
+        <p14:creationId xmlns:p14="http://schemas.microsoft.com/office/powerpoint/2010/main" val="4030803737"/>
+      </p:ext>
+    </p:extLst>
   </p:cSld>
   <p:clrMap bg1="lt1" tx1="dk1" bg2="dk2" tx2="lt2" accent1="accent1" accent2="accent2" accent3="accent3" accent4="accent4" accent5="accent5" accent6="accent6" hlink="hlink" folHlink="folHlink"/>
   <p:notesStyle>
@@ -826,6 +838,11 @@
         </p:spPr>
       </p:sp>
     </p:spTree>
+    <p:extLst>
+      <p:ext uri="{BB962C8B-B14F-4D97-AF65-F5344CB8AC3E}">
+        <p14:creationId xmlns:p14="http://schemas.microsoft.com/office/powerpoint/2010/main" val="496956102"/>
+      </p:ext>
+    </p:extLst>
   </p:cSld>
   <p:clrMapOvr>
     <a:masterClrMapping/>
@@ -930,6 +947,11 @@
         </p:spPr>
       </p:sp>
     </p:spTree>
+    <p:extLst>
+      <p:ext uri="{BB962C8B-B14F-4D97-AF65-F5344CB8AC3E}">
+        <p14:creationId xmlns:p14="http://schemas.microsoft.com/office/powerpoint/2010/main" val="3482690096"/>
+      </p:ext>
+    </p:extLst>
   </p:cSld>
   <p:clrMapOvr>
     <a:masterClrMapping/>
@@ -1034,6 +1056,11 @@
         </p:spPr>
       </p:sp>
     </p:spTree>
+    <p:extLst>
+      <p:ext uri="{BB962C8B-B14F-4D97-AF65-F5344CB8AC3E}">
+        <p14:creationId xmlns:p14="http://schemas.microsoft.com/office/powerpoint/2010/main" val="3272101475"/>
+      </p:ext>
+    </p:extLst>
   </p:cSld>
   <p:clrMapOvr>
     <a:masterClrMapping/>
@@ -1138,6 +1165,11 @@
         </p:spPr>
       </p:sp>
     </p:spTree>
+    <p:extLst>
+      <p:ext uri="{BB962C8B-B14F-4D97-AF65-F5344CB8AC3E}">
+        <p14:creationId xmlns:p14="http://schemas.microsoft.com/office/powerpoint/2010/main" val="3750455959"/>
+      </p:ext>
+    </p:extLst>
   </p:cSld>
   <p:clrMapOvr>
     <a:masterClrMapping/>
@@ -1242,6 +1274,11 @@
         </p:spPr>
       </p:sp>
     </p:spTree>
+    <p:extLst>
+      <p:ext uri="{BB962C8B-B14F-4D97-AF65-F5344CB8AC3E}">
+        <p14:creationId xmlns:p14="http://schemas.microsoft.com/office/powerpoint/2010/main" val="4070538306"/>
+      </p:ext>
+    </p:extLst>
   </p:cSld>
   <p:clrMapOvr>
     <a:masterClrMapping/>
@@ -7174,7 +7211,7 @@
           <p:cNvPr id="3" name="Picture 2">
             <a:extLst>
               <a:ext uri="{FF2B5EF4-FFF2-40B4-BE49-F238E27FC236}">
-                <a16:creationId xmlns:a16="http://schemas.microsoft.com/office/drawing/2014/main" id="{E2CE847B-0E40-7856-2248-401FABAE5CD8}"/>
+                <a16:creationId xmlns:a16="http://schemas.microsoft.com/office/drawing/2014/main" xmlns="" id="{E2CE847B-0E40-7856-2248-401FABAE5CD8}"/>
               </a:ext>
             </a:extLst>
           </p:cNvPr>
@@ -7204,7 +7241,7 @@
           <p:cNvPr id="4" name="TextBox 3">
             <a:extLst>
               <a:ext uri="{FF2B5EF4-FFF2-40B4-BE49-F238E27FC236}">
-                <a16:creationId xmlns:a16="http://schemas.microsoft.com/office/drawing/2014/main" id="{99FDF780-FA8C-70A5-D49B-1624993B862C}"/>
+                <a16:creationId xmlns:a16="http://schemas.microsoft.com/office/drawing/2014/main" xmlns="" id="{99FDF780-FA8C-70A5-D49B-1624993B862C}"/>
               </a:ext>
             </a:extLst>
           </p:cNvPr>
@@ -7386,6 +7423,13 @@
   <p:clrMapOvr>
     <a:masterClrMapping/>
   </p:clrMapOvr>
+  <p:timing>
+    <p:tnLst>
+      <p:par>
+        <p:cTn id="1" dur="indefinite" restart="never" nodeType="tmRoot"/>
+      </p:par>
+    </p:tnLst>
+  </p:timing>
 </p:sld>
 </file>
 
@@ -7481,9 +7525,9 @@
               <a:solidFill>
                 <a:schemeClr val="lt1"/>
               </a:solidFill>
-              <a:latin typeface="Roboto"/>
+              <a:latin typeface="Calibri" panose="020F0502020204030204" pitchFamily="34" charset="0"/>
               <a:ea typeface="Roboto"/>
-              <a:cs typeface="Roboto"/>
+              <a:cs typeface="Calibri" panose="020F0502020204030204" pitchFamily="34" charset="0"/>
               <a:sym typeface="Roboto"/>
             </a:endParaRPr>
           </a:p>
@@ -7570,9 +7614,9 @@
               <a:solidFill>
                 <a:schemeClr val="lt1"/>
               </a:solidFill>
-              <a:latin typeface="Roboto"/>
+              <a:latin typeface="Calibri" panose="020F0502020204030204" pitchFamily="34" charset="0"/>
               <a:ea typeface="Roboto"/>
-              <a:cs typeface="Roboto"/>
+              <a:cs typeface="Calibri" panose="020F0502020204030204" pitchFamily="34" charset="0"/>
               <a:sym typeface="Roboto"/>
             </a:endParaRPr>
           </a:p>
@@ -7615,23 +7659,64 @@
                     <a:lumMod val="10000"/>
                   </a:schemeClr>
                 </a:solidFill>
-                <a:latin typeface="Roboto" panose="02000000000000000000" pitchFamily="2" charset="0"/>
+                <a:latin typeface="Calibri" panose="020F0502020204030204" pitchFamily="34" charset="0"/>
                 <a:ea typeface="Roboto" panose="02000000000000000000" pitchFamily="2" charset="0"/>
-                <a:cs typeface="Times New Roman"/>
+                <a:cs typeface="Calibri" panose="020F0502020204030204" pitchFamily="34" charset="0"/>
               </a:rPr>
               <a:t>Netflix allows us to watch variety of TV shows, movies in different languages and genres on subscription based. </a:t>
             </a:r>
             <a:r>
-              <a:rPr lang="en-US" sz="1100" dirty="0">
+              <a:rPr lang="en-US" sz="1100" dirty="0" smtClean="0">
                 <a:solidFill>
                   <a:schemeClr val="tx2">
                     <a:lumMod val="10000"/>
                   </a:schemeClr>
                 </a:solidFill>
-                <a:latin typeface="Roboto" panose="02000000000000000000" pitchFamily="2" charset="0"/>
+                <a:latin typeface="Calibri" panose="020F0502020204030204" pitchFamily="34" charset="0"/>
                 <a:ea typeface="Roboto" panose="02000000000000000000" pitchFamily="2" charset="0"/>
+                <a:cs typeface="Calibri" panose="020F0502020204030204" pitchFamily="34" charset="0"/>
               </a:rPr>
-              <a:t>Our main customer is users and based on statistics </a:t>
+              <a:t>Based on the </a:t>
+            </a:r>
+            <a:r>
+              <a:rPr lang="en-US" sz="1100" dirty="0">
+                <a:solidFill>
+                  <a:schemeClr val="tx2">
+                    <a:lumMod val="10000"/>
+                  </a:schemeClr>
+                </a:solidFill>
+                <a:latin typeface="Calibri" panose="020F0502020204030204" pitchFamily="34" charset="0"/>
+                <a:ea typeface="Roboto" panose="02000000000000000000" pitchFamily="2" charset="0"/>
+                <a:cs typeface="Calibri" panose="020F0502020204030204" pitchFamily="34" charset="0"/>
+              </a:rPr>
+              <a:t>statistics </a:t>
+            </a:r>
+            <a:r>
+              <a:rPr lang="en-US" sz="1100" dirty="0" smtClean="0">
+                <a:solidFill>
+                  <a:schemeClr val="tx2">
+                    <a:lumMod val="10000"/>
+                  </a:schemeClr>
+                </a:solidFill>
+                <a:latin typeface="Calibri" panose="020F0502020204030204" pitchFamily="34" charset="0"/>
+                <a:ea typeface="Roboto" panose="02000000000000000000" pitchFamily="2" charset="0"/>
+                <a:cs typeface="Calibri" panose="020F0502020204030204" pitchFamily="34" charset="0"/>
+              </a:rPr>
+              <a:t>provided by </a:t>
+            </a:r>
+            <a:r>
+              <a:rPr lang="en-US" sz="1100" b="0" i="0" dirty="0" smtClean="0">
+                <a:solidFill>
+                  <a:schemeClr val="tx2">
+                    <a:lumMod val="10000"/>
+                  </a:schemeClr>
+                </a:solidFill>
+                <a:effectLst/>
+                <a:latin typeface="Calibri" panose="020F0502020204030204" pitchFamily="34" charset="0"/>
+                <a:ea typeface="Roboto" panose="02000000000000000000" pitchFamily="2" charset="0"/>
+                <a:cs typeface="Calibri" panose="020F0502020204030204" pitchFamily="34" charset="0"/>
+              </a:rPr>
+              <a:t>Netflix, </a:t>
             </a:r>
             <a:r>
               <a:rPr lang="en-US" sz="1100" b="0" i="0" dirty="0">
@@ -7641,17 +7726,33 @@
                   </a:schemeClr>
                 </a:solidFill>
                 <a:effectLst/>
-                <a:latin typeface="Roboto" panose="02000000000000000000" pitchFamily="2" charset="0"/>
+                <a:latin typeface="Calibri" panose="020F0502020204030204" pitchFamily="34" charset="0"/>
                 <a:ea typeface="Roboto" panose="02000000000000000000" pitchFamily="2" charset="0"/>
+                <a:cs typeface="Calibri" panose="020F0502020204030204" pitchFamily="34" charset="0"/>
               </a:rPr>
-              <a:t>Netflix customers spend 3.2 hours each day on average consuming content</a:t>
+              <a:t>customers spend 3.2 hours each day on average consuming </a:t>
+            </a:r>
+            <a:r>
+              <a:rPr lang="en-US" sz="1100" b="0" i="0" dirty="0" smtClean="0">
+                <a:solidFill>
+                  <a:schemeClr val="tx2">
+                    <a:lumMod val="10000"/>
+                  </a:schemeClr>
+                </a:solidFill>
+                <a:effectLst/>
+                <a:latin typeface="Calibri" panose="020F0502020204030204" pitchFamily="34" charset="0"/>
+                <a:ea typeface="Roboto" panose="02000000000000000000" pitchFamily="2" charset="0"/>
+                <a:cs typeface="Calibri" panose="020F0502020204030204" pitchFamily="34" charset="0"/>
+              </a:rPr>
+              <a:t>content.</a:t>
             </a:r>
             <a:endParaRPr lang="en-US" sz="1100" dirty="0">
               <a:solidFill>
                 <a:srgbClr val="4B4F58"/>
               </a:solidFill>
-              <a:latin typeface="Roboto" panose="02000000000000000000" pitchFamily="2" charset="0"/>
+              <a:latin typeface="Calibri" panose="020F0502020204030204" pitchFamily="34" charset="0"/>
               <a:ea typeface="Roboto" panose="02000000000000000000" pitchFamily="2" charset="0"/>
+              <a:cs typeface="Calibri" panose="020F0502020204030204" pitchFamily="34" charset="0"/>
             </a:endParaRPr>
           </a:p>
         </p:txBody>
@@ -7700,10 +7801,16 @@
               <a:buNone/>
             </a:pPr>
             <a:r>
-              <a:rPr lang="en" dirty="0"/>
+              <a:rPr lang="en" dirty="0">
+                <a:latin typeface="Calibri" panose="020F0502020204030204" pitchFamily="34" charset="0"/>
+                <a:cs typeface="Calibri" panose="020F0502020204030204" pitchFamily="34" charset="0"/>
+              </a:rPr>
               <a:t>Netflix Users</a:t>
             </a:r>
-            <a:endParaRPr dirty="0"/>
+            <a:endParaRPr dirty="0">
+              <a:latin typeface="Calibri" panose="020F0502020204030204" pitchFamily="34" charset="0"/>
+              <a:cs typeface="Calibri" panose="020F0502020204030204" pitchFamily="34" charset="0"/>
+            </a:endParaRPr>
           </a:p>
         </p:txBody>
       </p:sp>
@@ -7789,14 +7896,17 @@
                 <a:solidFill>
                   <a:schemeClr val="lt1"/>
                 </a:solidFill>
-                <a:latin typeface="Roboto"/>
+                <a:latin typeface="Calibri" panose="020F0502020204030204" pitchFamily="34" charset="0"/>
                 <a:ea typeface="Roboto"/>
-                <a:cs typeface="Roboto"/>
+                <a:cs typeface="Calibri" panose="020F0502020204030204" pitchFamily="34" charset="0"/>
                 <a:sym typeface="Roboto"/>
               </a:rPr>
               <a:t>192.9M</a:t>
             </a:r>
-            <a:endParaRPr dirty="0"/>
+            <a:endParaRPr dirty="0">
+              <a:latin typeface="Calibri" panose="020F0502020204030204" pitchFamily="34" charset="0"/>
+              <a:cs typeface="Calibri" panose="020F0502020204030204" pitchFamily="34" charset="0"/>
+            </a:endParaRPr>
           </a:p>
         </p:txBody>
       </p:sp>
@@ -7847,9 +7957,9 @@
                 <a:solidFill>
                   <a:schemeClr val="lt1"/>
                 </a:solidFill>
-                <a:latin typeface="Roboto"/>
+                <a:latin typeface="Calibri" panose="020F0502020204030204" pitchFamily="34" charset="0"/>
                 <a:ea typeface="Roboto"/>
-                <a:cs typeface="Roboto"/>
+                <a:cs typeface="Calibri" panose="020F0502020204030204" pitchFamily="34" charset="0"/>
                 <a:sym typeface="Roboto"/>
               </a:rPr>
               <a:t>220.67M</a:t>
@@ -7858,9 +7968,9 @@
               <a:solidFill>
                 <a:schemeClr val="lt1"/>
               </a:solidFill>
-              <a:latin typeface="Roboto"/>
+              <a:latin typeface="Calibri" panose="020F0502020204030204" pitchFamily="34" charset="0"/>
               <a:ea typeface="Roboto"/>
-              <a:cs typeface="Roboto"/>
+              <a:cs typeface="Calibri" panose="020F0502020204030204" pitchFamily="34" charset="0"/>
               <a:sym typeface="Roboto"/>
             </a:endParaRPr>
           </a:p>
@@ -7913,9 +8023,9 @@
                 <a:solidFill>
                   <a:schemeClr val="lt1"/>
                 </a:solidFill>
-                <a:latin typeface="Roboto"/>
+                <a:latin typeface="Calibri" panose="020F0502020204030204" pitchFamily="34" charset="0"/>
                 <a:ea typeface="Roboto"/>
-                <a:cs typeface="Roboto"/>
+                <a:cs typeface="Calibri" panose="020F0502020204030204" pitchFamily="34" charset="0"/>
                 <a:sym typeface="Roboto"/>
               </a:rPr>
               <a:t>219.7M</a:t>
@@ -7924,9 +8034,9 @@
               <a:solidFill>
                 <a:schemeClr val="lt1"/>
               </a:solidFill>
-              <a:latin typeface="Roboto"/>
+              <a:latin typeface="Calibri" panose="020F0502020204030204" pitchFamily="34" charset="0"/>
               <a:ea typeface="Roboto"/>
-              <a:cs typeface="Roboto"/>
+              <a:cs typeface="Calibri" panose="020F0502020204030204" pitchFamily="34" charset="0"/>
               <a:sym typeface="Roboto"/>
             </a:endParaRPr>
           </a:p>
@@ -7979,9 +8089,9 @@
                 <a:solidFill>
                   <a:schemeClr val="accent1"/>
                 </a:solidFill>
-                <a:latin typeface="Roboto"/>
+                <a:latin typeface="Calibri" panose="020F0502020204030204" pitchFamily="34" charset="0"/>
                 <a:ea typeface="Roboto"/>
-                <a:cs typeface="Roboto"/>
+                <a:cs typeface="Calibri" panose="020F0502020204030204" pitchFamily="34" charset="0"/>
                 <a:sym typeface="Roboto"/>
               </a:rPr>
               <a:t>2020</a:t>
@@ -7990,9 +8100,9 @@
               <a:solidFill>
                 <a:schemeClr val="accent1"/>
               </a:solidFill>
-              <a:latin typeface="Roboto"/>
+              <a:latin typeface="Calibri" panose="020F0502020204030204" pitchFamily="34" charset="0"/>
               <a:ea typeface="Roboto"/>
-              <a:cs typeface="Roboto"/>
+              <a:cs typeface="Calibri" panose="020F0502020204030204" pitchFamily="34" charset="0"/>
               <a:sym typeface="Roboto"/>
             </a:endParaRPr>
           </a:p>
@@ -8066,9 +8176,9 @@
                 <a:solidFill>
                   <a:schemeClr val="accent1"/>
                 </a:solidFill>
-                <a:latin typeface="Roboto"/>
+                <a:latin typeface="Calibri" panose="020F0502020204030204" pitchFamily="34" charset="0"/>
                 <a:ea typeface="Roboto"/>
-                <a:cs typeface="Roboto"/>
+                <a:cs typeface="Calibri" panose="020F0502020204030204" pitchFamily="34" charset="0"/>
                 <a:sym typeface="Roboto"/>
               </a:rPr>
               <a:t>Subscribers Count: 192.9M</a:t>
@@ -8077,9 +8187,9 @@
               <a:solidFill>
                 <a:schemeClr val="accent1"/>
               </a:solidFill>
-              <a:latin typeface="Roboto"/>
+              <a:latin typeface="Calibri" panose="020F0502020204030204" pitchFamily="34" charset="0"/>
               <a:ea typeface="Roboto"/>
-              <a:cs typeface="Roboto"/>
+              <a:cs typeface="Calibri" panose="020F0502020204030204" pitchFamily="34" charset="0"/>
               <a:sym typeface="Roboto"/>
             </a:endParaRPr>
           </a:p>
@@ -8132,9 +8242,9 @@
                 <a:solidFill>
                   <a:schemeClr val="accent2"/>
                 </a:solidFill>
-                <a:latin typeface="Roboto"/>
+                <a:latin typeface="Calibri" panose="020F0502020204030204" pitchFamily="34" charset="0"/>
                 <a:ea typeface="Roboto"/>
-                <a:cs typeface="Roboto"/>
+                <a:cs typeface="Calibri" panose="020F0502020204030204" pitchFamily="34" charset="0"/>
                 <a:sym typeface="Roboto"/>
               </a:rPr>
               <a:t>2021</a:t>
@@ -8143,9 +8253,9 @@
               <a:solidFill>
                 <a:schemeClr val="accent2"/>
               </a:solidFill>
-              <a:latin typeface="Roboto"/>
+              <a:latin typeface="Calibri" panose="020F0502020204030204" pitchFamily="34" charset="0"/>
               <a:ea typeface="Roboto"/>
-              <a:cs typeface="Roboto"/>
+              <a:cs typeface="Calibri" panose="020F0502020204030204" pitchFamily="34" charset="0"/>
               <a:sym typeface="Roboto"/>
             </a:endParaRPr>
           </a:p>
@@ -8219,9 +8329,9 @@
                 <a:solidFill>
                   <a:schemeClr val="accent2"/>
                 </a:solidFill>
-                <a:latin typeface="Roboto"/>
+                <a:latin typeface="Calibri" panose="020F0502020204030204" pitchFamily="34" charset="0"/>
                 <a:ea typeface="Roboto"/>
-                <a:cs typeface="Roboto"/>
+                <a:cs typeface="Calibri" panose="020F0502020204030204" pitchFamily="34" charset="0"/>
                 <a:sym typeface="Roboto"/>
               </a:rPr>
               <a:t>Subscribers Count: 219.7M</a:t>
@@ -8230,9 +8340,9 @@
               <a:solidFill>
                 <a:schemeClr val="accent2"/>
               </a:solidFill>
-              <a:latin typeface="Roboto"/>
+              <a:latin typeface="Calibri" panose="020F0502020204030204" pitchFamily="34" charset="0"/>
               <a:ea typeface="Roboto"/>
-              <a:cs typeface="Roboto"/>
+              <a:cs typeface="Calibri" panose="020F0502020204030204" pitchFamily="34" charset="0"/>
               <a:sym typeface="Roboto"/>
             </a:endParaRPr>
           </a:p>
@@ -8285,9 +8395,9 @@
                 <a:solidFill>
                   <a:schemeClr val="accent3"/>
                 </a:solidFill>
-                <a:latin typeface="Roboto"/>
+                <a:latin typeface="Calibri" panose="020F0502020204030204" pitchFamily="34" charset="0"/>
                 <a:ea typeface="Roboto"/>
-                <a:cs typeface="Roboto"/>
+                <a:cs typeface="Calibri" panose="020F0502020204030204" pitchFamily="34" charset="0"/>
                 <a:sym typeface="Roboto"/>
               </a:rPr>
               <a:t>2022</a:t>
@@ -8296,9 +8406,9 @@
               <a:solidFill>
                 <a:schemeClr val="accent3"/>
               </a:solidFill>
-              <a:latin typeface="Roboto"/>
+              <a:latin typeface="Calibri" panose="020F0502020204030204" pitchFamily="34" charset="0"/>
               <a:ea typeface="Roboto"/>
-              <a:cs typeface="Roboto"/>
+              <a:cs typeface="Calibri" panose="020F0502020204030204" pitchFamily="34" charset="0"/>
               <a:sym typeface="Roboto"/>
             </a:endParaRPr>
           </a:p>
@@ -8372,9 +8482,9 @@
                 <a:solidFill>
                   <a:schemeClr val="accent3"/>
                 </a:solidFill>
-                <a:latin typeface="Roboto"/>
+                <a:latin typeface="Calibri" panose="020F0502020204030204" pitchFamily="34" charset="0"/>
                 <a:ea typeface="Roboto"/>
-                <a:cs typeface="Roboto"/>
+                <a:cs typeface="Calibri" panose="020F0502020204030204" pitchFamily="34" charset="0"/>
                 <a:sym typeface="Roboto"/>
               </a:rPr>
               <a:t>Subscribers Count: </a:t>
@@ -8384,8 +8494,9 @@
                 <a:solidFill>
                   <a:schemeClr val="accent3"/>
                 </a:solidFill>
-                <a:latin typeface="Roboto"/>
+                <a:latin typeface="Calibri" panose="020F0502020204030204" pitchFamily="34" charset="0"/>
                 <a:ea typeface="Roboto"/>
+                <a:cs typeface="Calibri" panose="020F0502020204030204" pitchFamily="34" charset="0"/>
               </a:rPr>
               <a:t>220.67M</a:t>
             </a:r>
@@ -8393,8 +8504,9 @@
               <a:solidFill>
                 <a:schemeClr val="accent3"/>
               </a:solidFill>
-              <a:latin typeface="Roboto"/>
+              <a:latin typeface="Calibri" panose="020F0502020204030204" pitchFamily="34" charset="0"/>
               <a:ea typeface="Roboto"/>
+              <a:cs typeface="Calibri" panose="020F0502020204030204" pitchFamily="34" charset="0"/>
               <a:sym typeface="Roboto"/>
             </a:endParaRPr>
           </a:p>
@@ -8409,7 +8521,8 @@
                 <a:srgbClr val="4B4F58"/>
               </a:solidFill>
               <a:effectLst/>
-              <a:latin typeface="-apple-system"/>
+              <a:latin typeface="Calibri" panose="020F0502020204030204" pitchFamily="34" charset="0"/>
+              <a:cs typeface="Calibri" panose="020F0502020204030204" pitchFamily="34" charset="0"/>
             </a:endParaRPr>
           </a:p>
           <a:p>
@@ -8429,9 +8542,9 @@
               <a:solidFill>
                 <a:srgbClr val="717171"/>
               </a:solidFill>
-              <a:latin typeface="Roboto"/>
+              <a:latin typeface="Calibri" panose="020F0502020204030204" pitchFamily="34" charset="0"/>
               <a:ea typeface="Roboto"/>
-              <a:cs typeface="Roboto"/>
+              <a:cs typeface="Calibri" panose="020F0502020204030204" pitchFamily="34" charset="0"/>
               <a:sym typeface="Roboto"/>
             </a:endParaRPr>
           </a:p>
@@ -8442,6 +8555,13 @@
   <p:clrMapOvr>
     <a:masterClrMapping/>
   </p:clrMapOvr>
+  <p:timing>
+    <p:tnLst>
+      <p:par>
+        <p:cTn id="1" dur="indefinite" restart="never" nodeType="tmRoot"/>
+      </p:par>
+    </p:tnLst>
+  </p:timing>
 </p:sld>
 </file>
 
@@ -8498,11 +8618,15 @@
                   <a:srgbClr val="202124"/>
                 </a:solidFill>
                 <a:effectLst/>
-                <a:latin typeface="Roboto" panose="02000000000000000000" pitchFamily="2" charset="0"/>
+                <a:latin typeface="Calibri" panose="020F0502020204030204" pitchFamily="34" charset="0"/>
+                <a:cs typeface="Calibri" panose="020F0502020204030204" pitchFamily="34" charset="0"/>
               </a:rPr>
               <a:t>.</a:t>
             </a:r>
-            <a:endParaRPr lang="en-US" dirty="0"/>
+            <a:endParaRPr lang="en-US" dirty="0">
+              <a:latin typeface="Calibri" panose="020F0502020204030204" pitchFamily="34" charset="0"/>
+              <a:cs typeface="Calibri" panose="020F0502020204030204" pitchFamily="34" charset="0"/>
+            </a:endParaRPr>
           </a:p>
         </p:txBody>
       </p:sp>
@@ -8556,17 +8680,35 @@
                     <a:lumMod val="10000"/>
                   </a:schemeClr>
                 </a:solidFill>
+                <a:latin typeface="Calibri" panose="020F0502020204030204" pitchFamily="34" charset="0"/>
+                <a:cs typeface="Calibri" panose="020F0502020204030204" pitchFamily="34" charset="0"/>
               </a:rPr>
               <a:t>The Main Problem</a:t>
             </a:r>
+            <a:r>
+              <a:rPr lang="en" dirty="0">
+                <a:latin typeface="Calibri" panose="020F0502020204030204" pitchFamily="34" charset="0"/>
+                <a:cs typeface="Calibri" panose="020F0502020204030204" pitchFamily="34" charset="0"/>
+              </a:rPr>
+              <a:t/>
+            </a:r>
             <a:br>
-              <a:rPr lang="en" dirty="0"/>
+              <a:rPr lang="en" dirty="0">
+                <a:latin typeface="Calibri" panose="020F0502020204030204" pitchFamily="34" charset="0"/>
+                <a:cs typeface="Calibri" panose="020F0502020204030204" pitchFamily="34" charset="0"/>
+              </a:rPr>
             </a:br>
             <a:r>
-              <a:rPr lang="en" sz="1400" dirty="0"/>
+              <a:rPr lang="en" sz="1400" dirty="0">
+                <a:latin typeface="Calibri" panose="020F0502020204030204" pitchFamily="34" charset="0"/>
+                <a:cs typeface="Calibri" panose="020F0502020204030204" pitchFamily="34" charset="0"/>
+              </a:rPr>
               <a:t>Arises when it’s time to watch some shows on Netflix</a:t>
             </a:r>
-            <a:endParaRPr sz="1400" dirty="0"/>
+            <a:endParaRPr sz="1400" dirty="0">
+              <a:latin typeface="Calibri" panose="020F0502020204030204" pitchFamily="34" charset="0"/>
+              <a:cs typeface="Calibri" panose="020F0502020204030204" pitchFamily="34" charset="0"/>
+            </a:endParaRPr>
           </a:p>
         </p:txBody>
       </p:sp>
@@ -8617,67 +8759,87 @@
                 <a:solidFill>
                   <a:schemeClr val="accent1"/>
                 </a:solidFill>
-                <a:latin typeface="Roboto"/>
+                <a:latin typeface="Calibri" panose="020F0502020204030204" pitchFamily="34" charset="0"/>
                 <a:ea typeface="Roboto"/>
-                <a:cs typeface="Roboto"/>
+                <a:cs typeface="Calibri" panose="020F0502020204030204" pitchFamily="34" charset="0"/>
                 <a:sym typeface="Roboto"/>
               </a:rPr>
               <a:t>Problem</a:t>
             </a:r>
+            <a:r>
+              <a:rPr lang="en" sz="1400" b="1" u="none" dirty="0">
+                <a:solidFill>
+                  <a:srgbClr val="7F7F7F"/>
+                </a:solidFill>
+                <a:latin typeface="Calibri" panose="020F0502020204030204" pitchFamily="34" charset="0"/>
+                <a:ea typeface="Roboto"/>
+                <a:cs typeface="Calibri" panose="020F0502020204030204" pitchFamily="34" charset="0"/>
+                <a:sym typeface="Roboto"/>
+              </a:rPr>
+              <a:t/>
+            </a:r>
             <a:br>
               <a:rPr lang="en" sz="1400" b="1" u="none" dirty="0">
                 <a:solidFill>
                   <a:srgbClr val="7F7F7F"/>
                 </a:solidFill>
-                <a:latin typeface="Roboto"/>
+                <a:latin typeface="Calibri" panose="020F0502020204030204" pitchFamily="34" charset="0"/>
                 <a:ea typeface="Roboto"/>
-                <a:cs typeface="Roboto"/>
+                <a:cs typeface="Calibri" panose="020F0502020204030204" pitchFamily="34" charset="0"/>
                 <a:sym typeface="Roboto"/>
               </a:rPr>
             </a:br>
             <a:r>
-              <a:rPr lang="en-US" sz="1000" dirty="0">
-                <a:solidFill>
-                  <a:srgbClr val="7F7F7F"/>
-                </a:solidFill>
-                <a:latin typeface="Roboto"/>
+              <a:rPr lang="en-US" sz="1100" b="1" dirty="0">
+                <a:solidFill>
+                  <a:schemeClr val="bg2">
+                    <a:lumMod val="50000"/>
+                  </a:schemeClr>
+                </a:solidFill>
+                <a:latin typeface="Calibri" panose="020F0502020204030204" pitchFamily="34" charset="0"/>
                 <a:ea typeface="Roboto"/>
-                <a:cs typeface="Roboto"/>
+                <a:cs typeface="Calibri" panose="020F0502020204030204" pitchFamily="34" charset="0"/>
                 <a:sym typeface="Roboto"/>
               </a:rPr>
               <a:t>F</a:t>
             </a:r>
             <a:r>
-              <a:rPr lang="en-US" sz="1000" b="0" u="none" dirty="0">
-                <a:solidFill>
-                  <a:srgbClr val="7F7F7F"/>
-                </a:solidFill>
-                <a:latin typeface="Roboto"/>
+              <a:rPr lang="en-US" sz="1100" b="1" u="none" dirty="0">
+                <a:solidFill>
+                  <a:schemeClr val="bg2">
+                    <a:lumMod val="50000"/>
+                  </a:schemeClr>
+                </a:solidFill>
+                <a:latin typeface="Calibri" panose="020F0502020204030204" pitchFamily="34" charset="0"/>
                 <a:ea typeface="Roboto"/>
-                <a:cs typeface="Roboto"/>
+                <a:cs typeface="Calibri" panose="020F0502020204030204" pitchFamily="34" charset="0"/>
                 <a:sym typeface="Roboto"/>
               </a:rPr>
               <a:t>rustrating when we are not able to find something interesting to watch.</a:t>
             </a:r>
             <a:r>
-              <a:rPr lang="en" sz="1000" b="0" u="none" dirty="0">
-                <a:solidFill>
-                  <a:srgbClr val="7F7F7F"/>
-                </a:solidFill>
-                <a:latin typeface="Roboto"/>
+              <a:rPr lang="en" sz="1100" b="1" u="none" dirty="0">
+                <a:solidFill>
+                  <a:schemeClr val="bg2">
+                    <a:lumMod val="50000"/>
+                  </a:schemeClr>
+                </a:solidFill>
+                <a:latin typeface="Calibri" panose="020F0502020204030204" pitchFamily="34" charset="0"/>
                 <a:ea typeface="Roboto"/>
-                <a:cs typeface="Roboto"/>
+                <a:cs typeface="Calibri" panose="020F0502020204030204" pitchFamily="34" charset="0"/>
                 <a:sym typeface="Roboto"/>
               </a:rPr>
               <a:t> </a:t>
             </a:r>
-            <a:endParaRPr sz="1050" b="0" u="none" dirty="0">
+            <a:endParaRPr sz="1100" b="1" u="none" dirty="0">
               <a:solidFill>
-                <a:srgbClr val="7F7F7F"/>
+                <a:schemeClr val="bg2">
+                  <a:lumMod val="50000"/>
+                </a:schemeClr>
               </a:solidFill>
-              <a:latin typeface="Roboto"/>
+              <a:latin typeface="Calibri" panose="020F0502020204030204" pitchFamily="34" charset="0"/>
               <a:ea typeface="Roboto"/>
-              <a:cs typeface="Roboto"/>
+              <a:cs typeface="Calibri" panose="020F0502020204030204" pitchFamily="34" charset="0"/>
               <a:sym typeface="Roboto"/>
             </a:endParaRPr>
           </a:p>
@@ -8724,9 +8886,9 @@
                 <a:solidFill>
                   <a:schemeClr val="bg1"/>
                 </a:solidFill>
-                <a:latin typeface="Roboto"/>
+                <a:latin typeface="Calibri" panose="020F0502020204030204" pitchFamily="34" charset="0"/>
                 <a:ea typeface="Roboto"/>
-                <a:cs typeface="Roboto"/>
+                <a:cs typeface="Calibri" panose="020F0502020204030204" pitchFamily="34" charset="0"/>
                 <a:sym typeface="Roboto"/>
               </a:rPr>
               <a:t>What to watch?</a:t>
@@ -8735,9 +8897,9 @@
               <a:solidFill>
                 <a:schemeClr val="bg1"/>
               </a:solidFill>
-              <a:latin typeface="Roboto"/>
+              <a:latin typeface="Calibri" panose="020F0502020204030204" pitchFamily="34" charset="0"/>
               <a:ea typeface="Roboto"/>
-              <a:cs typeface="Roboto"/>
+              <a:cs typeface="Calibri" panose="020F0502020204030204" pitchFamily="34" charset="0"/>
               <a:sym typeface="Roboto"/>
             </a:endParaRPr>
           </a:p>
@@ -8839,14 +9001,17 @@
                 <a:solidFill>
                   <a:schemeClr val="lt1"/>
                 </a:solidFill>
-                <a:latin typeface="Roboto"/>
+                <a:latin typeface="Calibri" panose="020F0502020204030204" pitchFamily="34" charset="0"/>
                 <a:ea typeface="Roboto"/>
-                <a:cs typeface="Roboto"/>
+                <a:cs typeface="Calibri" panose="020F0502020204030204" pitchFamily="34" charset="0"/>
                 <a:sym typeface="Roboto"/>
               </a:rPr>
               <a:t>01</a:t>
             </a:r>
-            <a:endParaRPr dirty="0"/>
+            <a:endParaRPr dirty="0">
+              <a:latin typeface="Calibri" panose="020F0502020204030204" pitchFamily="34" charset="0"/>
+              <a:cs typeface="Calibri" panose="020F0502020204030204" pitchFamily="34" charset="0"/>
+            </a:endParaRPr>
           </a:p>
         </p:txBody>
       </p:sp>
@@ -8855,6 +9020,13 @@
   <p:clrMapOvr>
     <a:masterClrMapping/>
   </p:clrMapOvr>
+  <p:timing>
+    <p:tnLst>
+      <p:par>
+        <p:cTn id="1" dur="indefinite" restart="never" nodeType="tmRoot"/>
+      </p:par>
+    </p:tnLst>
+  </p:timing>
 </p:sld>
 </file>
 
@@ -8887,7 +9059,7 @@
         </p:nvSpPr>
         <p:spPr>
           <a:xfrm>
-            <a:off x="381000" y="341313"/>
+            <a:off x="294990" y="165170"/>
             <a:ext cx="8368500" cy="495300"/>
           </a:xfrm>
           <a:prstGeom prst="rect">
@@ -8925,6 +9097,8 @@
                     <a:lumMod val="10000"/>
                   </a:schemeClr>
                 </a:solidFill>
+                <a:latin typeface="Calibri" panose="020F0502020204030204" pitchFamily="34" charset="0"/>
+                <a:cs typeface="Calibri" panose="020F0502020204030204" pitchFamily="34" charset="0"/>
               </a:rPr>
               <a:t>The Solution</a:t>
             </a:r>
@@ -8934,6 +9108,8 @@
                   <a:lumMod val="10000"/>
                 </a:schemeClr>
               </a:solidFill>
+              <a:latin typeface="Calibri" panose="020F0502020204030204" pitchFamily="34" charset="0"/>
+              <a:cs typeface="Calibri" panose="020F0502020204030204" pitchFamily="34" charset="0"/>
             </a:endParaRPr>
           </a:p>
         </p:txBody>
@@ -8980,9 +9156,9 @@
               <a:solidFill>
                 <a:schemeClr val="dk1"/>
               </a:solidFill>
-              <a:latin typeface="Roboto"/>
+              <a:latin typeface="Calibri" panose="020F0502020204030204" pitchFamily="34" charset="0"/>
               <a:ea typeface="Roboto"/>
-              <a:cs typeface="Roboto"/>
+              <a:cs typeface="Calibri" panose="020F0502020204030204" pitchFamily="34" charset="0"/>
               <a:sym typeface="Roboto"/>
             </a:endParaRPr>
           </a:p>
@@ -9031,21 +9207,23 @@
               <a:buNone/>
             </a:pPr>
             <a:r>
-              <a:rPr lang="en-US" sz="1100" dirty="0">
+              <a:rPr lang="en-US" sz="1200" dirty="0">
                 <a:solidFill>
                   <a:schemeClr val="bg1"/>
                 </a:solidFill>
-                <a:latin typeface="Roboto" panose="02000000000000000000" pitchFamily="2" charset="0"/>
+                <a:latin typeface="Calibri" panose="020F0502020204030204" pitchFamily="34" charset="0"/>
                 <a:ea typeface="Roboto" panose="02000000000000000000" pitchFamily="2" charset="0"/>
+                <a:cs typeface="Calibri" panose="020F0502020204030204" pitchFamily="34" charset="0"/>
               </a:rPr>
               <a:t>The main objective of the project is to analyze and understand the insights from Netflix and suggest shows based on user preference.</a:t>
             </a:r>
-            <a:endParaRPr sz="1100" dirty="0">
+            <a:endParaRPr sz="1200" dirty="0">
               <a:solidFill>
                 <a:schemeClr val="bg1"/>
               </a:solidFill>
-              <a:latin typeface="Roboto" panose="02000000000000000000" pitchFamily="2" charset="0"/>
+              <a:latin typeface="Calibri" panose="020F0502020204030204" pitchFamily="34" charset="0"/>
               <a:ea typeface="Roboto" panose="02000000000000000000" pitchFamily="2" charset="0"/>
+              <a:cs typeface="Calibri" panose="020F0502020204030204" pitchFamily="34" charset="0"/>
             </a:endParaRPr>
           </a:p>
         </p:txBody>
@@ -9146,14 +9324,17 @@
                 <a:solidFill>
                   <a:schemeClr val="lt1"/>
                 </a:solidFill>
-                <a:latin typeface="Roboto"/>
+                <a:latin typeface="Calibri" panose="020F0502020204030204" pitchFamily="34" charset="0"/>
                 <a:ea typeface="Roboto"/>
-                <a:cs typeface="Roboto"/>
+                <a:cs typeface="Calibri" panose="020F0502020204030204" pitchFamily="34" charset="0"/>
                 <a:sym typeface="Roboto"/>
               </a:rPr>
               <a:t>01</a:t>
             </a:r>
-            <a:endParaRPr/>
+            <a:endParaRPr>
+              <a:latin typeface="Calibri" panose="020F0502020204030204" pitchFamily="34" charset="0"/>
+              <a:cs typeface="Calibri" panose="020F0502020204030204" pitchFamily="34" charset="0"/>
+            </a:endParaRPr>
           </a:p>
         </p:txBody>
       </p:sp>
@@ -9199,9 +9380,9 @@
               <a:solidFill>
                 <a:schemeClr val="dk1"/>
               </a:solidFill>
-              <a:latin typeface="Roboto"/>
+              <a:latin typeface="Calibri" panose="020F0502020204030204" pitchFamily="34" charset="0"/>
               <a:ea typeface="Roboto"/>
-              <a:cs typeface="Roboto"/>
+              <a:cs typeface="Calibri" panose="020F0502020204030204" pitchFamily="34" charset="0"/>
               <a:sym typeface="Roboto"/>
             </a:endParaRPr>
           </a:p>
@@ -9250,22 +9431,23 @@
               <a:buNone/>
             </a:pPr>
             <a:r>
-              <a:rPr lang="en-US" sz="1100" dirty="0">
+              <a:rPr lang="en-US" sz="1200" dirty="0" smtClean="0">
                 <a:solidFill>
                   <a:schemeClr val="bg1"/>
                 </a:solidFill>
-                <a:latin typeface="Roboto" panose="02000000000000000000" pitchFamily="2" charset="0"/>
+                <a:latin typeface="Calibri" panose="020F0502020204030204" pitchFamily="34" charset="0"/>
                 <a:ea typeface="Roboto" panose="02000000000000000000" pitchFamily="2" charset="0"/>
-                <a:cs typeface="Times New Roman"/>
+                <a:cs typeface="Calibri" panose="020F0502020204030204" pitchFamily="34" charset="0"/>
               </a:rPr>
               <a:t>To predict 100000 movie ratings for users in a subset of original Netflix data</a:t>
             </a:r>
-            <a:endParaRPr sz="1100" dirty="0">
+            <a:endParaRPr sz="1200" dirty="0">
               <a:solidFill>
                 <a:schemeClr val="bg1"/>
               </a:solidFill>
-              <a:latin typeface="Roboto" panose="02000000000000000000" pitchFamily="2" charset="0"/>
+              <a:latin typeface="Calibri" panose="020F0502020204030204" pitchFamily="34" charset="0"/>
               <a:ea typeface="Roboto" panose="02000000000000000000" pitchFamily="2" charset="0"/>
+              <a:cs typeface="Calibri" panose="020F0502020204030204" pitchFamily="34" charset="0"/>
             </a:endParaRPr>
           </a:p>
         </p:txBody>
@@ -9366,14 +9548,17 @@
                 <a:solidFill>
                   <a:schemeClr val="lt1"/>
                 </a:solidFill>
-                <a:latin typeface="Roboto"/>
+                <a:latin typeface="Calibri" panose="020F0502020204030204" pitchFamily="34" charset="0"/>
                 <a:ea typeface="Roboto"/>
-                <a:cs typeface="Roboto"/>
+                <a:cs typeface="Calibri" panose="020F0502020204030204" pitchFamily="34" charset="0"/>
                 <a:sym typeface="Roboto"/>
               </a:rPr>
               <a:t>02</a:t>
             </a:r>
-            <a:endParaRPr/>
+            <a:endParaRPr>
+              <a:latin typeface="Calibri" panose="020F0502020204030204" pitchFamily="34" charset="0"/>
+              <a:cs typeface="Calibri" panose="020F0502020204030204" pitchFamily="34" charset="0"/>
+            </a:endParaRPr>
           </a:p>
         </p:txBody>
       </p:sp>
@@ -9419,9 +9604,9 @@
               <a:solidFill>
                 <a:schemeClr val="dk1"/>
               </a:solidFill>
-              <a:latin typeface="Roboto"/>
+              <a:latin typeface="Calibri" panose="020F0502020204030204" pitchFamily="34" charset="0"/>
               <a:ea typeface="Roboto"/>
-              <a:cs typeface="Roboto"/>
+              <a:cs typeface="Calibri" panose="020F0502020204030204" pitchFamily="34" charset="0"/>
               <a:sym typeface="Roboto"/>
             </a:endParaRPr>
           </a:p>
@@ -9453,13 +9638,13 @@
           <a:lstStyle/>
           <a:p>
             <a:r>
-              <a:rPr lang="en-US" sz="1100" dirty="0">
+              <a:rPr lang="en-US" sz="1200" dirty="0">
                 <a:solidFill>
                   <a:schemeClr val="bg1"/>
                 </a:solidFill>
-                <a:latin typeface="Roboto" panose="02000000000000000000" pitchFamily="2" charset="0"/>
+                <a:latin typeface="Calibri" panose="020F0502020204030204" pitchFamily="34" charset="0"/>
                 <a:ea typeface="Roboto" panose="02000000000000000000" pitchFamily="2" charset="0"/>
-                <a:cs typeface="Times New Roman"/>
+                <a:cs typeface="Calibri" panose="020F0502020204030204" pitchFamily="34" charset="0"/>
               </a:rPr>
               <a:t>To substantially improve the accuracy of predictions about how much someone is going to enjoy the movie based on their movie preferences.</a:t>
             </a:r>
@@ -9562,14 +9747,17 @@
                 <a:solidFill>
                   <a:schemeClr val="lt1"/>
                 </a:solidFill>
-                <a:latin typeface="Roboto"/>
+                <a:latin typeface="Calibri" panose="020F0502020204030204" pitchFamily="34" charset="0"/>
                 <a:ea typeface="Roboto"/>
-                <a:cs typeface="Roboto"/>
+                <a:cs typeface="Calibri" panose="020F0502020204030204" pitchFamily="34" charset="0"/>
                 <a:sym typeface="Roboto"/>
               </a:rPr>
               <a:t>03</a:t>
             </a:r>
-            <a:endParaRPr/>
+            <a:endParaRPr>
+              <a:latin typeface="Calibri" panose="020F0502020204030204" pitchFamily="34" charset="0"/>
+              <a:cs typeface="Calibri" panose="020F0502020204030204" pitchFamily="34" charset="0"/>
+            </a:endParaRPr>
           </a:p>
         </p:txBody>
       </p:sp>
@@ -9578,7 +9766,7 @@
           <p:cNvPr id="2" name="TextBox 1">
             <a:extLst>
               <a:ext uri="{FF2B5EF4-FFF2-40B4-BE49-F238E27FC236}">
-                <a16:creationId xmlns:a16="http://schemas.microsoft.com/office/drawing/2014/main" id="{FF1EBF40-5486-8B1C-7552-DC53A068ECEA}"/>
+                <a16:creationId xmlns:a16="http://schemas.microsoft.com/office/drawing/2014/main" xmlns="" id="{FF1EBF40-5486-8B1C-7552-DC53A068ECEA}"/>
               </a:ext>
             </a:extLst>
           </p:cNvPr>
@@ -9587,8 +9775,8 @@
         </p:nvSpPr>
         <p:spPr>
           <a:xfrm>
-            <a:off x="771277" y="954157"/>
-            <a:ext cx="7892213" cy="600164"/>
+            <a:off x="533133" y="914532"/>
+            <a:ext cx="7892213" cy="646331"/>
           </a:xfrm>
           <a:prstGeom prst="rect">
             <a:avLst/>
@@ -9602,9 +9790,10 @@
           <a:lstStyle/>
           <a:p>
             <a:r>
-              <a:rPr lang="en-US" sz="1100" dirty="0">
-                <a:latin typeface="Roboto" panose="02000000000000000000" pitchFamily="2" charset="0"/>
+              <a:rPr lang="en-US" sz="1200" dirty="0">
+                <a:latin typeface="Calibri" panose="020F0502020204030204" pitchFamily="34" charset="0"/>
                 <a:ea typeface="Roboto" panose="02000000000000000000" pitchFamily="2" charset="0"/>
+                <a:cs typeface="Calibri" panose="020F0502020204030204" pitchFamily="34" charset="0"/>
               </a:rPr>
               <a:t>Knowing the importance of recommendations on the entertainment industry, we are planning to replicate and also try to improve the ability of the recommendation algorithms. To provide movie recommendations, we have selected the Netflix which is one of the prominent platforms of OTT.</a:t>
             </a:r>
@@ -9616,6 +9805,13 @@
   <p:clrMapOvr>
     <a:masterClrMapping/>
   </p:clrMapOvr>
+  <p:timing>
+    <p:tnLst>
+      <p:par>
+        <p:cTn id="1" dur="indefinite" restart="never" nodeType="tmRoot"/>
+      </p:par>
+    </p:tnLst>
+  </p:timing>
 </p:sld>
 </file>
 
@@ -9641,7 +9837,7 @@
           <p:cNvPr id="2" name="Text Placeholder 1">
             <a:extLst>
               <a:ext uri="{FF2B5EF4-FFF2-40B4-BE49-F238E27FC236}">
-                <a16:creationId xmlns:a16="http://schemas.microsoft.com/office/drawing/2014/main" id="{B2F4F156-7837-87E0-EDC7-88FB374A5E9C}"/>
+                <a16:creationId xmlns:a16="http://schemas.microsoft.com/office/drawing/2014/main" xmlns="" id="{B2F4F156-7837-87E0-EDC7-88FB374A5E9C}"/>
               </a:ext>
             </a:extLst>
           </p:cNvPr>
@@ -9760,7 +9956,7 @@
           <p:cNvPr id="3" name="Title 2">
             <a:extLst>
               <a:ext uri="{FF2B5EF4-FFF2-40B4-BE49-F238E27FC236}">
-                <a16:creationId xmlns:a16="http://schemas.microsoft.com/office/drawing/2014/main" id="{BF968364-4D91-677D-C53D-13C38C0447A5}"/>
+                <a16:creationId xmlns:a16="http://schemas.microsoft.com/office/drawing/2014/main" xmlns="" id="{BF968364-4D91-677D-C53D-13C38C0447A5}"/>
               </a:ext>
             </a:extLst>
           </p:cNvPr>
@@ -9799,7 +9995,7 @@
           <p:cNvPr id="5" name="Picture 4">
             <a:extLst>
               <a:ext uri="{FF2B5EF4-FFF2-40B4-BE49-F238E27FC236}">
-                <a16:creationId xmlns:a16="http://schemas.microsoft.com/office/drawing/2014/main" id="{68027DD7-DDEC-EAB7-EC5C-984FF7B2C7B2}"/>
+                <a16:creationId xmlns:a16="http://schemas.microsoft.com/office/drawing/2014/main" xmlns="" id="{68027DD7-DDEC-EAB7-EC5C-984FF7B2C7B2}"/>
               </a:ext>
             </a:extLst>
           </p:cNvPr>
@@ -9829,7 +10025,7 @@
           <p:cNvPr id="6" name="TextBox 5">
             <a:extLst>
               <a:ext uri="{FF2B5EF4-FFF2-40B4-BE49-F238E27FC236}">
-                <a16:creationId xmlns:a16="http://schemas.microsoft.com/office/drawing/2014/main" id="{3D5635E9-ED61-8E17-29B1-106528632065}"/>
+                <a16:creationId xmlns:a16="http://schemas.microsoft.com/office/drawing/2014/main" xmlns="" id="{3D5635E9-ED61-8E17-29B1-106528632065}"/>
               </a:ext>
             </a:extLst>
           </p:cNvPr>
@@ -9868,7 +10064,7 @@
           <p:cNvPr id="8" name="Picture 7">
             <a:extLst>
               <a:ext uri="{FF2B5EF4-FFF2-40B4-BE49-F238E27FC236}">
-                <a16:creationId xmlns:a16="http://schemas.microsoft.com/office/drawing/2014/main" id="{EA760782-6F20-1A68-BB4F-E3934E6DE57B}"/>
+                <a16:creationId xmlns:a16="http://schemas.microsoft.com/office/drawing/2014/main" xmlns="" id="{EA760782-6F20-1A68-BB4F-E3934E6DE57B}"/>
               </a:ext>
             </a:extLst>
           </p:cNvPr>
@@ -9898,7 +10094,7 @@
           <p:cNvPr id="9" name="TextBox 8">
             <a:extLst>
               <a:ext uri="{FF2B5EF4-FFF2-40B4-BE49-F238E27FC236}">
-                <a16:creationId xmlns:a16="http://schemas.microsoft.com/office/drawing/2014/main" id="{7408E636-9577-6F6A-8252-FD8C329F794E}"/>
+                <a16:creationId xmlns:a16="http://schemas.microsoft.com/office/drawing/2014/main" xmlns="" id="{7408E636-9577-6F6A-8252-FD8C329F794E}"/>
               </a:ext>
             </a:extLst>
           </p:cNvPr>
@@ -9944,7 +10140,7 @@
           <p:cNvPr id="11" name="Picture 10">
             <a:extLst>
               <a:ext uri="{FF2B5EF4-FFF2-40B4-BE49-F238E27FC236}">
-                <a16:creationId xmlns:a16="http://schemas.microsoft.com/office/drawing/2014/main" id="{5EF64F0E-56B7-43AC-53A0-E0952AE1F365}"/>
+                <a16:creationId xmlns:a16="http://schemas.microsoft.com/office/drawing/2014/main" xmlns="" id="{5EF64F0E-56B7-43AC-53A0-E0952AE1F365}"/>
               </a:ext>
             </a:extLst>
           </p:cNvPr>
@@ -9974,7 +10170,7 @@
           <p:cNvPr id="13" name="Picture 12">
             <a:extLst>
               <a:ext uri="{FF2B5EF4-FFF2-40B4-BE49-F238E27FC236}">
-                <a16:creationId xmlns:a16="http://schemas.microsoft.com/office/drawing/2014/main" id="{EADDB8BB-1E6C-4D49-7FE5-ECBCB2DAD9CF}"/>
+                <a16:creationId xmlns:a16="http://schemas.microsoft.com/office/drawing/2014/main" xmlns="" id="{EADDB8BB-1E6C-4D49-7FE5-ECBCB2DAD9CF}"/>
               </a:ext>
             </a:extLst>
           </p:cNvPr>
@@ -10004,7 +10200,7 @@
           <p:cNvPr id="14" name="TextBox 13">
             <a:extLst>
               <a:ext uri="{FF2B5EF4-FFF2-40B4-BE49-F238E27FC236}">
-                <a16:creationId xmlns:a16="http://schemas.microsoft.com/office/drawing/2014/main" id="{D2BE2C7D-13D8-FEF2-D278-99AB2FFDC436}"/>
+                <a16:creationId xmlns:a16="http://schemas.microsoft.com/office/drawing/2014/main" xmlns="" id="{D2BE2C7D-13D8-FEF2-D278-99AB2FFDC436}"/>
               </a:ext>
             </a:extLst>
           </p:cNvPr>
@@ -10043,7 +10239,7 @@
           <p:cNvPr id="15" name="TextBox 14">
             <a:extLst>
               <a:ext uri="{FF2B5EF4-FFF2-40B4-BE49-F238E27FC236}">
-                <a16:creationId xmlns:a16="http://schemas.microsoft.com/office/drawing/2014/main" id="{0D57A540-82DD-DD66-8892-AD859C7C7C39}"/>
+                <a16:creationId xmlns:a16="http://schemas.microsoft.com/office/drawing/2014/main" xmlns="" id="{0D57A540-82DD-DD66-8892-AD859C7C7C39}"/>
               </a:ext>
             </a:extLst>
           </p:cNvPr>
@@ -10087,6 +10283,13 @@
   <p:clrMapOvr>
     <a:masterClrMapping/>
   </p:clrMapOvr>
+  <p:timing>
+    <p:tnLst>
+      <p:par>
+        <p:cTn id="1" dur="indefinite" restart="never" nodeType="tmRoot"/>
+      </p:par>
+    </p:tnLst>
+  </p:timing>
 </p:sld>
 </file>
 
@@ -11585,6 +11788,13 @@
   <p:clrMapOvr>
     <a:masterClrMapping/>
   </p:clrMapOvr>
+  <p:timing>
+    <p:tnLst>
+      <p:par>
+        <p:cTn id="1" dur="indefinite" restart="never" nodeType="tmRoot"/>
+      </p:par>
+    </p:tnLst>
+  </p:timing>
 </p:sld>
 </file>
 
@@ -11610,7 +11820,7 @@
           <p:cNvPr id="3" name="Title 2">
             <a:extLst>
               <a:ext uri="{FF2B5EF4-FFF2-40B4-BE49-F238E27FC236}">
-                <a16:creationId xmlns:a16="http://schemas.microsoft.com/office/drawing/2014/main" id="{DC1576D3-B5EA-5802-454F-0AC4DCE0AED4}"/>
+                <a16:creationId xmlns:a16="http://schemas.microsoft.com/office/drawing/2014/main" xmlns="" id="{DC1576D3-B5EA-5802-454F-0AC4DCE0AED4}"/>
               </a:ext>
             </a:extLst>
           </p:cNvPr>
@@ -11644,7 +11854,7 @@
           <p:cNvPr id="7" name="Google Shape;115;p19">
             <a:extLst>
               <a:ext uri="{FF2B5EF4-FFF2-40B4-BE49-F238E27FC236}">
-                <a16:creationId xmlns:a16="http://schemas.microsoft.com/office/drawing/2014/main" id="{BCE473C1-731C-3668-406F-B39B591ED4A0}"/>
+                <a16:creationId xmlns:a16="http://schemas.microsoft.com/office/drawing/2014/main" xmlns="" id="{BCE473C1-731C-3668-406F-B39B591ED4A0}"/>
               </a:ext>
             </a:extLst>
           </p:cNvPr>
@@ -11723,35 +11933,22 @@
               <a:t>Plotly</a:t>
             </a:r>
             <a:r>
-              <a:rPr lang="en-US" sz="1800" dirty="0">
+              <a:rPr lang="en-US" sz="1800">
                 <a:solidFill>
                   <a:schemeClr val="bg1"/>
                 </a:solidFill>
                 <a:latin typeface="Roboto" panose="02000000000000000000" pitchFamily="2" charset="0"/>
                 <a:ea typeface="Roboto" panose="02000000000000000000" pitchFamily="2" charset="0"/>
               </a:rPr>
-              <a:t>, </a:t>
+              <a:t>, Scikit-learn</a:t>
             </a:r>
-            <a:r>
-              <a:rPr lang="en-US" sz="1800" dirty="0" err="1">
-                <a:solidFill>
-                  <a:schemeClr val="bg1"/>
-                </a:solidFill>
-                <a:latin typeface="Roboto" panose="02000000000000000000" pitchFamily="2" charset="0"/>
-                <a:ea typeface="Roboto" panose="02000000000000000000" pitchFamily="2" charset="0"/>
-              </a:rPr>
-              <a:t>Schikit</a:t>
-            </a:r>
-            <a:r>
-              <a:rPr lang="en-US" sz="1800" dirty="0">
-                <a:solidFill>
-                  <a:schemeClr val="bg1"/>
-                </a:solidFill>
-                <a:latin typeface="Roboto" panose="02000000000000000000" pitchFamily="2" charset="0"/>
-                <a:ea typeface="Roboto" panose="02000000000000000000" pitchFamily="2" charset="0"/>
-              </a:rPr>
-              <a:t>-learn</a:t>
-            </a:r>
+            <a:endParaRPr lang="en-US" sz="1800" dirty="0">
+              <a:solidFill>
+                <a:schemeClr val="bg1"/>
+              </a:solidFill>
+              <a:latin typeface="Roboto" panose="02000000000000000000" pitchFamily="2" charset="0"/>
+              <a:ea typeface="Roboto" panose="02000000000000000000" pitchFamily="2" charset="0"/>
+            </a:endParaRPr>
           </a:p>
           <a:p>
             <a:endParaRPr lang="en-US" sz="1800" dirty="0">
@@ -11840,7 +12037,7 @@
           <p:cNvPr id="9" name="Oval 8">
             <a:extLst>
               <a:ext uri="{FF2B5EF4-FFF2-40B4-BE49-F238E27FC236}">
-                <a16:creationId xmlns:a16="http://schemas.microsoft.com/office/drawing/2014/main" id="{D917B124-E8F1-4307-BD31-1A9956DA36DE}"/>
+                <a16:creationId xmlns:a16="http://schemas.microsoft.com/office/drawing/2014/main" xmlns="" id="{D917B124-E8F1-4307-BD31-1A9956DA36DE}"/>
               </a:ext>
             </a:extLst>
           </p:cNvPr>
@@ -11889,7 +12086,7 @@
           <p:cNvPr id="10" name="Oval 9">
             <a:extLst>
               <a:ext uri="{FF2B5EF4-FFF2-40B4-BE49-F238E27FC236}">
-                <a16:creationId xmlns:a16="http://schemas.microsoft.com/office/drawing/2014/main" id="{8E9513FE-966B-F771-4A8D-A4332C951578}"/>
+                <a16:creationId xmlns:a16="http://schemas.microsoft.com/office/drawing/2014/main" xmlns="" id="{8E9513FE-966B-F771-4A8D-A4332C951578}"/>
               </a:ext>
             </a:extLst>
           </p:cNvPr>
@@ -11938,7 +12135,7 @@
           <p:cNvPr id="11" name="Oval 10">
             <a:extLst>
               <a:ext uri="{FF2B5EF4-FFF2-40B4-BE49-F238E27FC236}">
-                <a16:creationId xmlns:a16="http://schemas.microsoft.com/office/drawing/2014/main" id="{4D05B127-A9CF-6B2B-727D-6116C1F97EEE}"/>
+                <a16:creationId xmlns:a16="http://schemas.microsoft.com/office/drawing/2014/main" xmlns="" id="{4D05B127-A9CF-6B2B-727D-6116C1F97EEE}"/>
               </a:ext>
             </a:extLst>
           </p:cNvPr>
@@ -11987,7 +12184,7 @@
           <p:cNvPr id="12" name="Oval 11">
             <a:extLst>
               <a:ext uri="{FF2B5EF4-FFF2-40B4-BE49-F238E27FC236}">
-                <a16:creationId xmlns:a16="http://schemas.microsoft.com/office/drawing/2014/main" id="{3FCC7030-F7E6-3608-31CD-43E65319DF2D}"/>
+                <a16:creationId xmlns:a16="http://schemas.microsoft.com/office/drawing/2014/main" xmlns="" id="{3FCC7030-F7E6-3608-31CD-43E65319DF2D}"/>
               </a:ext>
             </a:extLst>
           </p:cNvPr>
@@ -12041,6 +12238,13 @@
   <p:clrMapOvr>
     <a:masterClrMapping/>
   </p:clrMapOvr>
+  <p:timing>
+    <p:tnLst>
+      <p:par>
+        <p:cTn id="1" dur="indefinite" restart="never" nodeType="tmRoot"/>
+      </p:par>
+    </p:tnLst>
+  </p:timing>
 </p:sld>
 </file>
 
@@ -12066,7 +12270,7 @@
           <p:cNvPr id="3" name="Title 2">
             <a:extLst>
               <a:ext uri="{FF2B5EF4-FFF2-40B4-BE49-F238E27FC236}">
-                <a16:creationId xmlns:a16="http://schemas.microsoft.com/office/drawing/2014/main" id="{75F28603-C12B-C27B-470D-1D5F84853B16}"/>
+                <a16:creationId xmlns:a16="http://schemas.microsoft.com/office/drawing/2014/main" xmlns="" id="{75F28603-C12B-C27B-470D-1D5F84853B16}"/>
               </a:ext>
             </a:extLst>
           </p:cNvPr>
@@ -12100,7 +12304,7 @@
           <p:cNvPr id="5" name="TextBox 4">
             <a:extLst>
               <a:ext uri="{FF2B5EF4-FFF2-40B4-BE49-F238E27FC236}">
-                <a16:creationId xmlns:a16="http://schemas.microsoft.com/office/drawing/2014/main" id="{04B12FCD-1BED-FDFF-F6BA-DB35C467B05E}"/>
+                <a16:creationId xmlns:a16="http://schemas.microsoft.com/office/drawing/2014/main" xmlns="" id="{04B12FCD-1BED-FDFF-F6BA-DB35C467B05E}"/>
               </a:ext>
             </a:extLst>
           </p:cNvPr>
@@ -12142,7 +12346,7 @@
           <p:cNvPr id="6" name="Google Shape;112;p19">
             <a:extLst>
               <a:ext uri="{FF2B5EF4-FFF2-40B4-BE49-F238E27FC236}">
-                <a16:creationId xmlns:a16="http://schemas.microsoft.com/office/drawing/2014/main" id="{2553AB8C-332C-4029-8BCD-D467F31B8104}"/>
+                <a16:creationId xmlns:a16="http://schemas.microsoft.com/office/drawing/2014/main" xmlns="" id="{2553AB8C-332C-4029-8BCD-D467F31B8104}"/>
               </a:ext>
             </a:extLst>
           </p:cNvPr>
@@ -12235,7 +12439,7 @@
           <p:cNvPr id="11" name="Oval 10">
             <a:extLst>
               <a:ext uri="{FF2B5EF4-FFF2-40B4-BE49-F238E27FC236}">
-                <a16:creationId xmlns:a16="http://schemas.microsoft.com/office/drawing/2014/main" id="{B244F693-3827-3FDE-E1D7-03EB2E54FE77}"/>
+                <a16:creationId xmlns:a16="http://schemas.microsoft.com/office/drawing/2014/main" xmlns="" id="{B244F693-3827-3FDE-E1D7-03EB2E54FE77}"/>
               </a:ext>
             </a:extLst>
           </p:cNvPr>
@@ -12287,7 +12491,7 @@
           <p:cNvPr id="13" name="Oval 12">
             <a:extLst>
               <a:ext uri="{FF2B5EF4-FFF2-40B4-BE49-F238E27FC236}">
-                <a16:creationId xmlns:a16="http://schemas.microsoft.com/office/drawing/2014/main" id="{5AA3B6BB-3B5A-B638-104E-E7DDB680FA66}"/>
+                <a16:creationId xmlns:a16="http://schemas.microsoft.com/office/drawing/2014/main" xmlns="" id="{5AA3B6BB-3B5A-B638-104E-E7DDB680FA66}"/>
               </a:ext>
             </a:extLst>
           </p:cNvPr>
@@ -12339,7 +12543,7 @@
           <p:cNvPr id="14" name="Oval 13">
             <a:extLst>
               <a:ext uri="{FF2B5EF4-FFF2-40B4-BE49-F238E27FC236}">
-                <a16:creationId xmlns:a16="http://schemas.microsoft.com/office/drawing/2014/main" id="{99150E1B-EDC9-E441-D70D-B1E7422C0882}"/>
+                <a16:creationId xmlns:a16="http://schemas.microsoft.com/office/drawing/2014/main" xmlns="" id="{99150E1B-EDC9-E441-D70D-B1E7422C0882}"/>
               </a:ext>
             </a:extLst>
           </p:cNvPr>
@@ -12391,7 +12595,7 @@
           <p:cNvPr id="2" name="TextBox 1">
             <a:extLst>
               <a:ext uri="{FF2B5EF4-FFF2-40B4-BE49-F238E27FC236}">
-                <a16:creationId xmlns:a16="http://schemas.microsoft.com/office/drawing/2014/main" id="{C5CA400A-3484-760F-185B-DD4B1EFC5DA8}"/>
+                <a16:creationId xmlns:a16="http://schemas.microsoft.com/office/drawing/2014/main" xmlns="" id="{C5CA400A-3484-760F-185B-DD4B1EFC5DA8}"/>
               </a:ext>
             </a:extLst>
           </p:cNvPr>
@@ -12441,7 +12645,7 @@
           <p:cNvPr id="4" name="TextBox 3">
             <a:extLst>
               <a:ext uri="{FF2B5EF4-FFF2-40B4-BE49-F238E27FC236}">
-                <a16:creationId xmlns:a16="http://schemas.microsoft.com/office/drawing/2014/main" id="{5D9C2360-79CC-578B-B074-5E9810963039}"/>
+                <a16:creationId xmlns:a16="http://schemas.microsoft.com/office/drawing/2014/main" xmlns="" id="{5D9C2360-79CC-578B-B074-5E9810963039}"/>
               </a:ext>
             </a:extLst>
           </p:cNvPr>
@@ -12488,6 +12692,13 @@
   <p:clrMapOvr>
     <a:masterClrMapping/>
   </p:clrMapOvr>
+  <p:timing>
+    <p:tnLst>
+      <p:par>
+        <p:cTn id="1" dur="indefinite" restart="never" nodeType="tmRoot"/>
+      </p:par>
+    </p:tnLst>
+  </p:timing>
 </p:sld>
 </file>
 
@@ -12513,7 +12724,7 @@
           <p:cNvPr id="3" name="Title 2">
             <a:extLst>
               <a:ext uri="{FF2B5EF4-FFF2-40B4-BE49-F238E27FC236}">
-                <a16:creationId xmlns:a16="http://schemas.microsoft.com/office/drawing/2014/main" id="{5EAB03E6-CA69-BD0E-666C-6B073C36134A}"/>
+                <a16:creationId xmlns:a16="http://schemas.microsoft.com/office/drawing/2014/main" xmlns="" id="{5EAB03E6-CA69-BD0E-666C-6B073C36134A}"/>
               </a:ext>
             </a:extLst>
           </p:cNvPr>
@@ -12558,7 +12769,7 @@
           <p:cNvPr id="4" name="Picture 3">
             <a:extLst>
               <a:ext uri="{FF2B5EF4-FFF2-40B4-BE49-F238E27FC236}">
-                <a16:creationId xmlns:a16="http://schemas.microsoft.com/office/drawing/2014/main" id="{66911442-67B3-ECEA-7D1B-3F92C983EC03}"/>
+                <a16:creationId xmlns:a16="http://schemas.microsoft.com/office/drawing/2014/main" xmlns="" id="{66911442-67B3-ECEA-7D1B-3F92C983EC03}"/>
               </a:ext>
             </a:extLst>
           </p:cNvPr>
@@ -12593,6 +12804,13 @@
   <p:clrMapOvr>
     <a:masterClrMapping/>
   </p:clrMapOvr>
+  <p:timing>
+    <p:tnLst>
+      <p:par>
+        <p:cTn id="1" dur="indefinite" restart="never" nodeType="tmRoot"/>
+      </p:par>
+    </p:tnLst>
+  </p:timing>
 </p:sld>
 </file>
 

--- a/Pitch Deck Template_GROUP4.pptx
+++ b/Pitch Deck Template_GROUP4.pptx
@@ -22,29 +22,22 @@
   <p:notesSz cx="6858000" cy="9144000"/>
   <p:embeddedFontLst>
     <p:embeddedFont>
-      <p:font typeface="Roboto" panose="020B0604020202020204" charset="0"/>
+      <p:font typeface="Alfa Slab One" pitchFamily="2" charset="77"/>
       <p:regular r:id="rId12"/>
-      <p:bold r:id="rId13"/>
-      <p:italic r:id="rId14"/>
-      <p:boldItalic r:id="rId15"/>
     </p:embeddedFont>
     <p:embeddedFont>
-      <p:font typeface="Alfa Slab One" panose="020B0604020202020204" charset="0"/>
-      <p:regular r:id="rId16"/>
+      <p:font typeface="Proxima Nova" panose="02000506030000020004" pitchFamily="2" charset="0"/>
+      <p:regular r:id="rId13"/>
+      <p:bold r:id="rId14"/>
+      <p:italic r:id="rId15"/>
+      <p:boldItalic r:id="rId16"/>
     </p:embeddedFont>
     <p:embeddedFont>
-      <p:font typeface="Proxima Nova" panose="020B0604020202020204" charset="0"/>
+      <p:font typeface="Roboto" panose="02000000000000000000" pitchFamily="2" charset="0"/>
       <p:regular r:id="rId17"/>
       <p:bold r:id="rId18"/>
       <p:italic r:id="rId19"/>
       <p:boldItalic r:id="rId20"/>
-    </p:embeddedFont>
-    <p:embeddedFont>
-      <p:font typeface="Calibri" panose="020F0502020204030204" pitchFamily="34" charset="0"/>
-      <p:regular r:id="rId21"/>
-      <p:bold r:id="rId22"/>
-      <p:italic r:id="rId23"/>
-      <p:boldItalic r:id="rId24"/>
     </p:embeddedFont>
   </p:embeddedFontLst>
   <p:defaultTextStyle>
@@ -502,11 +495,6 @@
         </p:txBody>
       </p:sp>
     </p:spTree>
-    <p:extLst>
-      <p:ext uri="{BB962C8B-B14F-4D97-AF65-F5344CB8AC3E}">
-        <p14:creationId xmlns:p14="http://schemas.microsoft.com/office/powerpoint/2010/main" val="4030803737"/>
-      </p:ext>
-    </p:extLst>
   </p:cSld>
   <p:clrMap bg1="lt1" tx1="dk1" bg2="dk2" tx2="lt2" accent1="accent1" accent2="accent2" accent3="accent3" accent4="accent4" accent5="accent5" accent6="accent6" hlink="hlink" folHlink="folHlink"/>
   <p:notesStyle>
@@ -838,11 +826,6 @@
         </p:spPr>
       </p:sp>
     </p:spTree>
-    <p:extLst>
-      <p:ext uri="{BB962C8B-B14F-4D97-AF65-F5344CB8AC3E}">
-        <p14:creationId xmlns:p14="http://schemas.microsoft.com/office/powerpoint/2010/main" val="496956102"/>
-      </p:ext>
-    </p:extLst>
   </p:cSld>
   <p:clrMapOvr>
     <a:masterClrMapping/>
@@ -947,11 +930,6 @@
         </p:spPr>
       </p:sp>
     </p:spTree>
-    <p:extLst>
-      <p:ext uri="{BB962C8B-B14F-4D97-AF65-F5344CB8AC3E}">
-        <p14:creationId xmlns:p14="http://schemas.microsoft.com/office/powerpoint/2010/main" val="3482690096"/>
-      </p:ext>
-    </p:extLst>
   </p:cSld>
   <p:clrMapOvr>
     <a:masterClrMapping/>
@@ -1056,11 +1034,6 @@
         </p:spPr>
       </p:sp>
     </p:spTree>
-    <p:extLst>
-      <p:ext uri="{BB962C8B-B14F-4D97-AF65-F5344CB8AC3E}">
-        <p14:creationId xmlns:p14="http://schemas.microsoft.com/office/powerpoint/2010/main" val="3272101475"/>
-      </p:ext>
-    </p:extLst>
   </p:cSld>
   <p:clrMapOvr>
     <a:masterClrMapping/>
@@ -1165,11 +1138,6 @@
         </p:spPr>
       </p:sp>
     </p:spTree>
-    <p:extLst>
-      <p:ext uri="{BB962C8B-B14F-4D97-AF65-F5344CB8AC3E}">
-        <p14:creationId xmlns:p14="http://schemas.microsoft.com/office/powerpoint/2010/main" val="3750455959"/>
-      </p:ext>
-    </p:extLst>
   </p:cSld>
   <p:clrMapOvr>
     <a:masterClrMapping/>
@@ -1274,9 +1242,65 @@
         </p:spPr>
       </p:sp>
     </p:spTree>
+  </p:cSld>
+  <p:clrMapOvr>
+    <a:masterClrMapping/>
+  </p:clrMapOvr>
+</p:notes>
+</file>
+
+<file path=ppt/notesSlides/notesSlide6.xml><?xml version="1.0" encoding="utf-8"?>
+<p:notes xmlns:a="http://schemas.openxmlformats.org/drawingml/2006/main" xmlns:r="http://schemas.openxmlformats.org/officeDocument/2006/relationships" xmlns:p="http://schemas.openxmlformats.org/presentationml/2006/main">
+  <p:cSld>
+    <p:spTree>
+      <p:nvGrpSpPr>
+        <p:cNvPr id="1" name=""/>
+        <p:cNvGrpSpPr/>
+        <p:nvPr/>
+      </p:nvGrpSpPr>
+      <p:grpSpPr>
+        <a:xfrm>
+          <a:off x="0" y="0"/>
+          <a:ext cx="0" cy="0"/>
+          <a:chOff x="0" y="0"/>
+          <a:chExt cx="0" cy="0"/>
+        </a:xfrm>
+      </p:grpSpPr>
+      <p:sp>
+        <p:nvSpPr>
+          <p:cNvPr id="2" name="Slide Image Placeholder 1"/>
+          <p:cNvSpPr>
+            <a:spLocks noGrp="1" noRot="1" noChangeAspect="1"/>
+          </p:cNvSpPr>
+          <p:nvPr>
+            <p:ph type="sldImg"/>
+          </p:nvPr>
+        </p:nvSpPr>
+        <p:spPr/>
+      </p:sp>
+      <p:sp>
+        <p:nvSpPr>
+          <p:cNvPr id="3" name="Notes Placeholder 2"/>
+          <p:cNvSpPr>
+            <a:spLocks noGrp="1"/>
+          </p:cNvSpPr>
+          <p:nvPr>
+            <p:ph type="body" idx="1"/>
+          </p:nvPr>
+        </p:nvSpPr>
+        <p:spPr/>
+        <p:txBody>
+          <a:bodyPr/>
+          <a:lstStyle/>
+          <a:p>
+            <a:endParaRPr lang="en-US" dirty="0"/>
+          </a:p>
+        </p:txBody>
+      </p:sp>
+    </p:spTree>
     <p:extLst>
       <p:ext uri="{BB962C8B-B14F-4D97-AF65-F5344CB8AC3E}">
-        <p14:creationId xmlns:p14="http://schemas.microsoft.com/office/powerpoint/2010/main" val="4070538306"/>
+        <p14:creationId xmlns:p14="http://schemas.microsoft.com/office/powerpoint/2010/main" val="2742821931"/>
       </p:ext>
     </p:extLst>
   </p:cSld>
@@ -7064,8 +7088,8 @@
         </p:nvSpPr>
         <p:spPr>
           <a:xfrm>
-            <a:off x="983214" y="654877"/>
-            <a:ext cx="6800400" cy="1477200"/>
+            <a:off x="0" y="624824"/>
+            <a:ext cx="9052560" cy="1709865"/>
           </a:xfrm>
           <a:prstGeom prst="rect">
             <a:avLst/>
@@ -7103,48 +7127,16 @@
               <a:t>Netflix</a:t>
             </a:r>
             <a:r>
-              <a:rPr lang="en" sz="4800" b="1" i="0" u="none" strike="noStrike" cap="none" dirty="0">
+              <a:rPr lang="en" sz="4800" b="1" dirty="0">
+                <a:solidFill>
+                  <a:srgbClr val="FF0000"/>
+                </a:solidFill>
                 <a:latin typeface="+mn-lt"/>
                 <a:ea typeface="Google Sans"/>
                 <a:cs typeface="Google Sans"/>
                 <a:sym typeface="Google Sans"/>
               </a:rPr>
-              <a:t> </a:t>
-            </a:r>
-            <a:r>
-              <a:rPr lang="en" sz="4800" b="1" i="0" u="none" strike="noStrike" cap="none" dirty="0">
-                <a:solidFill>
-                  <a:srgbClr val="FF0000"/>
-                </a:solidFill>
-                <a:latin typeface="+mn-lt"/>
-                <a:ea typeface="Google Sans"/>
-                <a:cs typeface="Google Sans"/>
-                <a:sym typeface="Google Sans"/>
-              </a:rPr>
-              <a:t>Movie</a:t>
-            </a:r>
-          </a:p>
-          <a:p>
-            <a:pPr marL="0" marR="0" lvl="0" indent="0" algn="ctr" rtl="0">
-              <a:spcBef>
-                <a:spcPts val="0"/>
-              </a:spcBef>
-              <a:spcAft>
-                <a:spcPts val="0"/>
-              </a:spcAft>
-              <a:buNone/>
-            </a:pPr>
-            <a:r>
-              <a:rPr lang="en" sz="4800" b="1" dirty="0">
-                <a:solidFill>
-                  <a:srgbClr val="FF0000"/>
-                </a:solidFill>
-                <a:latin typeface="+mn-lt"/>
-                <a:ea typeface="Google Sans"/>
-                <a:cs typeface="Google Sans"/>
-                <a:sym typeface="Google Sans"/>
-              </a:rPr>
-              <a:t>Recommendation</a:t>
+              <a:t> Movie Recommendation</a:t>
             </a:r>
             <a:endParaRPr dirty="0">
               <a:solidFill>
@@ -7211,7 +7203,7 @@
           <p:cNvPr id="3" name="Picture 2">
             <a:extLst>
               <a:ext uri="{FF2B5EF4-FFF2-40B4-BE49-F238E27FC236}">
-                <a16:creationId xmlns:a16="http://schemas.microsoft.com/office/drawing/2014/main" xmlns="" id="{E2CE847B-0E40-7856-2248-401FABAE5CD8}"/>
+                <a16:creationId xmlns:a16="http://schemas.microsoft.com/office/drawing/2014/main" id="{E2CE847B-0E40-7856-2248-401FABAE5CD8}"/>
               </a:ext>
             </a:extLst>
           </p:cNvPr>
@@ -7241,7 +7233,7 @@
           <p:cNvPr id="4" name="TextBox 3">
             <a:extLst>
               <a:ext uri="{FF2B5EF4-FFF2-40B4-BE49-F238E27FC236}">
-                <a16:creationId xmlns:a16="http://schemas.microsoft.com/office/drawing/2014/main" xmlns="" id="{99FDF780-FA8C-70A5-D49B-1624993B862C}"/>
+                <a16:creationId xmlns:a16="http://schemas.microsoft.com/office/drawing/2014/main" id="{99FDF780-FA8C-70A5-D49B-1624993B862C}"/>
               </a:ext>
             </a:extLst>
           </p:cNvPr>
@@ -7418,18 +7410,43 @@
           </a:p>
         </p:txBody>
       </p:sp>
+      <p:sp>
+        <p:nvSpPr>
+          <p:cNvPr id="2" name="TextBox 1">
+            <a:extLst>
+              <a:ext uri="{FF2B5EF4-FFF2-40B4-BE49-F238E27FC236}">
+                <a16:creationId xmlns:a16="http://schemas.microsoft.com/office/drawing/2014/main" id="{924EEE9C-1BA9-5CBB-5177-FEE7366F82BF}"/>
+              </a:ext>
+            </a:extLst>
+          </p:cNvPr>
+          <p:cNvSpPr txBox="1"/>
+          <p:nvPr/>
+        </p:nvSpPr>
+        <p:spPr>
+          <a:xfrm>
+            <a:off x="1978429" y="3840480"/>
+            <a:ext cx="184731" cy="307777"/>
+          </a:xfrm>
+          <a:prstGeom prst="rect">
+            <a:avLst/>
+          </a:prstGeom>
+          <a:noFill/>
+        </p:spPr>
+        <p:txBody>
+          <a:bodyPr wrap="none" rtlCol="0">
+            <a:spAutoFit/>
+          </a:bodyPr>
+          <a:lstStyle/>
+          <a:p>
+            <a:endParaRPr lang="en-US" dirty="0"/>
+          </a:p>
+        </p:txBody>
+      </p:sp>
     </p:spTree>
   </p:cSld>
   <p:clrMapOvr>
     <a:masterClrMapping/>
   </p:clrMapOvr>
-  <p:timing>
-    <p:tnLst>
-      <p:par>
-        <p:cTn id="1" dur="indefinite" restart="never" nodeType="tmRoot"/>
-      </p:par>
-    </p:tnLst>
-  </p:timing>
 </p:sld>
 </file>
 
@@ -7525,9 +7542,9 @@
               <a:solidFill>
                 <a:schemeClr val="lt1"/>
               </a:solidFill>
-              <a:latin typeface="Calibri" panose="020F0502020204030204" pitchFamily="34" charset="0"/>
+              <a:latin typeface="Roboto"/>
               <a:ea typeface="Roboto"/>
-              <a:cs typeface="Calibri" panose="020F0502020204030204" pitchFamily="34" charset="0"/>
+              <a:cs typeface="Roboto"/>
               <a:sym typeface="Roboto"/>
             </a:endParaRPr>
           </a:p>
@@ -7614,9 +7631,9 @@
               <a:solidFill>
                 <a:schemeClr val="lt1"/>
               </a:solidFill>
-              <a:latin typeface="Calibri" panose="020F0502020204030204" pitchFamily="34" charset="0"/>
+              <a:latin typeface="Roboto"/>
               <a:ea typeface="Roboto"/>
-              <a:cs typeface="Calibri" panose="020F0502020204030204" pitchFamily="34" charset="0"/>
+              <a:cs typeface="Roboto"/>
               <a:sym typeface="Roboto"/>
             </a:endParaRPr>
           </a:p>
@@ -7659,100 +7676,69 @@
                     <a:lumMod val="10000"/>
                   </a:schemeClr>
                 </a:solidFill>
-                <a:latin typeface="Calibri" panose="020F0502020204030204" pitchFamily="34" charset="0"/>
+                <a:latin typeface="Roboto" panose="02000000000000000000" pitchFamily="2" charset="0"/>
                 <a:ea typeface="Roboto" panose="02000000000000000000" pitchFamily="2" charset="0"/>
-                <a:cs typeface="Calibri" panose="020F0502020204030204" pitchFamily="34" charset="0"/>
+                <a:cs typeface="Times New Roman"/>
               </a:rPr>
-              <a:t>Netflix allows us to watch variety of TV shows, movies in different languages and genres on subscription based. </a:t>
+              <a:t>Netflix has a wide variety of TV shows, movies in different languages and genres, which are available on subscription basis. Based </a:t>
             </a:r>
             <a:r>
-              <a:rPr lang="en-US" sz="1100" dirty="0" smtClean="0">
+              <a:rPr lang="en-US" sz="1100" dirty="0">
                 <a:solidFill>
                   <a:schemeClr val="tx2">
                     <a:lumMod val="10000"/>
                   </a:schemeClr>
                 </a:solidFill>
-                <a:latin typeface="Calibri" panose="020F0502020204030204" pitchFamily="34" charset="0"/>
+                <a:latin typeface="Roboto" panose="02000000000000000000" pitchFamily="2" charset="0"/>
                 <a:ea typeface="Roboto" panose="02000000000000000000" pitchFamily="2" charset="0"/>
-                <a:cs typeface="Calibri" panose="020F0502020204030204" pitchFamily="34" charset="0"/>
               </a:rPr>
-              <a:t>Based on the </a:t>
+              <a:t>on the statistics provided by </a:t>
             </a:r>
             <a:r>
-              <a:rPr lang="en-US" sz="1100" dirty="0">
+              <a:rPr lang="en-US" sz="1100" b="0" i="0" dirty="0">
                 <a:solidFill>
                   <a:schemeClr val="tx2">
                     <a:lumMod val="10000"/>
                   </a:schemeClr>
                 </a:solidFill>
-                <a:latin typeface="Calibri" panose="020F0502020204030204" pitchFamily="34" charset="0"/>
+                <a:effectLst/>
+                <a:latin typeface="Roboto" panose="02000000000000000000" pitchFamily="2" charset="0"/>
                 <a:ea typeface="Roboto" panose="02000000000000000000" pitchFamily="2" charset="0"/>
-                <a:cs typeface="Calibri" panose="020F0502020204030204" pitchFamily="34" charset="0"/>
               </a:rPr>
-              <a:t>statistics </a:t>
+              <a:t>Netflix</a:t>
             </a:r>
             <a:r>
-              <a:rPr lang="en-US" sz="1100" dirty="0" smtClean="0">
+              <a:rPr lang="en-US" sz="1100" b="0" i="0">
                 <a:solidFill>
                   <a:schemeClr val="tx2">
                     <a:lumMod val="10000"/>
                   </a:schemeClr>
                 </a:solidFill>
-                <a:latin typeface="Calibri" panose="020F0502020204030204" pitchFamily="34" charset="0"/>
+                <a:effectLst/>
+                <a:latin typeface="Roboto" panose="02000000000000000000" pitchFamily="2" charset="0"/>
                 <a:ea typeface="Roboto" panose="02000000000000000000" pitchFamily="2" charset="0"/>
-                <a:cs typeface="Calibri" panose="020F0502020204030204" pitchFamily="34" charset="0"/>
               </a:rPr>
-              <a:t>provided by </a:t>
+              <a:t>, its customers </a:t>
             </a:r>
             <a:r>
-              <a:rPr lang="en-US" sz="1100" b="0" i="0" dirty="0" smtClean="0">
+              <a:rPr lang="en-US" sz="1100" b="0" i="0" dirty="0">
                 <a:solidFill>
                   <a:schemeClr val="tx2">
                     <a:lumMod val="10000"/>
                   </a:schemeClr>
                 </a:solidFill>
                 <a:effectLst/>
-                <a:latin typeface="Calibri" panose="020F0502020204030204" pitchFamily="34" charset="0"/>
+                <a:latin typeface="Roboto" panose="02000000000000000000" pitchFamily="2" charset="0"/>
                 <a:ea typeface="Roboto" panose="02000000000000000000" pitchFamily="2" charset="0"/>
-                <a:cs typeface="Calibri" panose="020F0502020204030204" pitchFamily="34" charset="0"/>
               </a:rPr>
-              <a:t>Netflix, </a:t>
-            </a:r>
-            <a:r>
-              <a:rPr lang="en-US" sz="1100" b="0" i="0" dirty="0">
-                <a:solidFill>
-                  <a:schemeClr val="tx2">
-                    <a:lumMod val="10000"/>
-                  </a:schemeClr>
-                </a:solidFill>
-                <a:effectLst/>
-                <a:latin typeface="Calibri" panose="020F0502020204030204" pitchFamily="34" charset="0"/>
-                <a:ea typeface="Roboto" panose="02000000000000000000" pitchFamily="2" charset="0"/>
-                <a:cs typeface="Calibri" panose="020F0502020204030204" pitchFamily="34" charset="0"/>
-              </a:rPr>
-              <a:t>customers spend 3.2 hours each day on average consuming </a:t>
-            </a:r>
-            <a:r>
-              <a:rPr lang="en-US" sz="1100" b="0" i="0" dirty="0" smtClean="0">
-                <a:solidFill>
-                  <a:schemeClr val="tx2">
-                    <a:lumMod val="10000"/>
-                  </a:schemeClr>
-                </a:solidFill>
-                <a:effectLst/>
-                <a:latin typeface="Calibri" panose="020F0502020204030204" pitchFamily="34" charset="0"/>
-                <a:ea typeface="Roboto" panose="02000000000000000000" pitchFamily="2" charset="0"/>
-                <a:cs typeface="Calibri" panose="020F0502020204030204" pitchFamily="34" charset="0"/>
-              </a:rPr>
-              <a:t>content.</a:t>
+              <a:t>spend 3.2 hours each day on average consuming content</a:t>
             </a:r>
             <a:endParaRPr lang="en-US" sz="1100" dirty="0">
               <a:solidFill>
                 <a:srgbClr val="4B4F58"/>
               </a:solidFill>
-              <a:latin typeface="Calibri" panose="020F0502020204030204" pitchFamily="34" charset="0"/>
+              <a:latin typeface="Roboto" panose="02000000000000000000" pitchFamily="2" charset="0"/>
               <a:ea typeface="Roboto" panose="02000000000000000000" pitchFamily="2" charset="0"/>
-              <a:cs typeface="Calibri" panose="020F0502020204030204" pitchFamily="34" charset="0"/>
             </a:endParaRPr>
           </a:p>
         </p:txBody>
@@ -7801,16 +7787,10 @@
               <a:buNone/>
             </a:pPr>
             <a:r>
-              <a:rPr lang="en" dirty="0">
-                <a:latin typeface="Calibri" panose="020F0502020204030204" pitchFamily="34" charset="0"/>
-                <a:cs typeface="Calibri" panose="020F0502020204030204" pitchFamily="34" charset="0"/>
-              </a:rPr>
+              <a:rPr lang="en" dirty="0"/>
               <a:t>Netflix Users</a:t>
             </a:r>
-            <a:endParaRPr dirty="0">
-              <a:latin typeface="Calibri" panose="020F0502020204030204" pitchFamily="34" charset="0"/>
-              <a:cs typeface="Calibri" panose="020F0502020204030204" pitchFamily="34" charset="0"/>
-            </a:endParaRPr>
+            <a:endParaRPr dirty="0"/>
           </a:p>
         </p:txBody>
       </p:sp>
@@ -7896,17 +7876,14 @@
                 <a:solidFill>
                   <a:schemeClr val="lt1"/>
                 </a:solidFill>
-                <a:latin typeface="Calibri" panose="020F0502020204030204" pitchFamily="34" charset="0"/>
+                <a:latin typeface="Roboto"/>
                 <a:ea typeface="Roboto"/>
-                <a:cs typeface="Calibri" panose="020F0502020204030204" pitchFamily="34" charset="0"/>
+                <a:cs typeface="Roboto"/>
                 <a:sym typeface="Roboto"/>
               </a:rPr>
               <a:t>192.9M</a:t>
             </a:r>
-            <a:endParaRPr dirty="0">
-              <a:latin typeface="Calibri" panose="020F0502020204030204" pitchFamily="34" charset="0"/>
-              <a:cs typeface="Calibri" panose="020F0502020204030204" pitchFamily="34" charset="0"/>
-            </a:endParaRPr>
+            <a:endParaRPr dirty="0"/>
           </a:p>
         </p:txBody>
       </p:sp>
@@ -7957,9 +7934,9 @@
                 <a:solidFill>
                   <a:schemeClr val="lt1"/>
                 </a:solidFill>
-                <a:latin typeface="Calibri" panose="020F0502020204030204" pitchFamily="34" charset="0"/>
+                <a:latin typeface="Roboto"/>
                 <a:ea typeface="Roboto"/>
-                <a:cs typeface="Calibri" panose="020F0502020204030204" pitchFamily="34" charset="0"/>
+                <a:cs typeface="Roboto"/>
                 <a:sym typeface="Roboto"/>
               </a:rPr>
               <a:t>220.67M</a:t>
@@ -7968,9 +7945,9 @@
               <a:solidFill>
                 <a:schemeClr val="lt1"/>
               </a:solidFill>
-              <a:latin typeface="Calibri" panose="020F0502020204030204" pitchFamily="34" charset="0"/>
+              <a:latin typeface="Roboto"/>
               <a:ea typeface="Roboto"/>
-              <a:cs typeface="Calibri" panose="020F0502020204030204" pitchFamily="34" charset="0"/>
+              <a:cs typeface="Roboto"/>
               <a:sym typeface="Roboto"/>
             </a:endParaRPr>
           </a:p>
@@ -8023,9 +8000,9 @@
                 <a:solidFill>
                   <a:schemeClr val="lt1"/>
                 </a:solidFill>
-                <a:latin typeface="Calibri" panose="020F0502020204030204" pitchFamily="34" charset="0"/>
+                <a:latin typeface="Roboto"/>
                 <a:ea typeface="Roboto"/>
-                <a:cs typeface="Calibri" panose="020F0502020204030204" pitchFamily="34" charset="0"/>
+                <a:cs typeface="Roboto"/>
                 <a:sym typeface="Roboto"/>
               </a:rPr>
               <a:t>219.7M</a:t>
@@ -8034,9 +8011,9 @@
               <a:solidFill>
                 <a:schemeClr val="lt1"/>
               </a:solidFill>
-              <a:latin typeface="Calibri" panose="020F0502020204030204" pitchFamily="34" charset="0"/>
+              <a:latin typeface="Roboto"/>
               <a:ea typeface="Roboto"/>
-              <a:cs typeface="Calibri" panose="020F0502020204030204" pitchFamily="34" charset="0"/>
+              <a:cs typeface="Roboto"/>
               <a:sym typeface="Roboto"/>
             </a:endParaRPr>
           </a:p>
@@ -8089,9 +8066,9 @@
                 <a:solidFill>
                   <a:schemeClr val="accent1"/>
                 </a:solidFill>
-                <a:latin typeface="Calibri" panose="020F0502020204030204" pitchFamily="34" charset="0"/>
+                <a:latin typeface="Roboto"/>
                 <a:ea typeface="Roboto"/>
-                <a:cs typeface="Calibri" panose="020F0502020204030204" pitchFamily="34" charset="0"/>
+                <a:cs typeface="Roboto"/>
                 <a:sym typeface="Roboto"/>
               </a:rPr>
               <a:t>2020</a:t>
@@ -8100,9 +8077,9 @@
               <a:solidFill>
                 <a:schemeClr val="accent1"/>
               </a:solidFill>
-              <a:latin typeface="Calibri" panose="020F0502020204030204" pitchFamily="34" charset="0"/>
+              <a:latin typeface="Roboto"/>
               <a:ea typeface="Roboto"/>
-              <a:cs typeface="Calibri" panose="020F0502020204030204" pitchFamily="34" charset="0"/>
+              <a:cs typeface="Roboto"/>
               <a:sym typeface="Roboto"/>
             </a:endParaRPr>
           </a:p>
@@ -8176,9 +8153,9 @@
                 <a:solidFill>
                   <a:schemeClr val="accent1"/>
                 </a:solidFill>
-                <a:latin typeface="Calibri" panose="020F0502020204030204" pitchFamily="34" charset="0"/>
+                <a:latin typeface="Roboto"/>
                 <a:ea typeface="Roboto"/>
-                <a:cs typeface="Calibri" panose="020F0502020204030204" pitchFamily="34" charset="0"/>
+                <a:cs typeface="Roboto"/>
                 <a:sym typeface="Roboto"/>
               </a:rPr>
               <a:t>Subscribers Count: 192.9M</a:t>
@@ -8187,9 +8164,9 @@
               <a:solidFill>
                 <a:schemeClr val="accent1"/>
               </a:solidFill>
-              <a:latin typeface="Calibri" panose="020F0502020204030204" pitchFamily="34" charset="0"/>
+              <a:latin typeface="Roboto"/>
               <a:ea typeface="Roboto"/>
-              <a:cs typeface="Calibri" panose="020F0502020204030204" pitchFamily="34" charset="0"/>
+              <a:cs typeface="Roboto"/>
               <a:sym typeface="Roboto"/>
             </a:endParaRPr>
           </a:p>
@@ -8242,9 +8219,9 @@
                 <a:solidFill>
                   <a:schemeClr val="accent2"/>
                 </a:solidFill>
-                <a:latin typeface="Calibri" panose="020F0502020204030204" pitchFamily="34" charset="0"/>
+                <a:latin typeface="Roboto"/>
                 <a:ea typeface="Roboto"/>
-                <a:cs typeface="Calibri" panose="020F0502020204030204" pitchFamily="34" charset="0"/>
+                <a:cs typeface="Roboto"/>
                 <a:sym typeface="Roboto"/>
               </a:rPr>
               <a:t>2021</a:t>
@@ -8253,9 +8230,9 @@
               <a:solidFill>
                 <a:schemeClr val="accent2"/>
               </a:solidFill>
-              <a:latin typeface="Calibri" panose="020F0502020204030204" pitchFamily="34" charset="0"/>
+              <a:latin typeface="Roboto"/>
               <a:ea typeface="Roboto"/>
-              <a:cs typeface="Calibri" panose="020F0502020204030204" pitchFamily="34" charset="0"/>
+              <a:cs typeface="Roboto"/>
               <a:sym typeface="Roboto"/>
             </a:endParaRPr>
           </a:p>
@@ -8329,9 +8306,9 @@
                 <a:solidFill>
                   <a:schemeClr val="accent2"/>
                 </a:solidFill>
-                <a:latin typeface="Calibri" panose="020F0502020204030204" pitchFamily="34" charset="0"/>
+                <a:latin typeface="Roboto"/>
                 <a:ea typeface="Roboto"/>
-                <a:cs typeface="Calibri" panose="020F0502020204030204" pitchFamily="34" charset="0"/>
+                <a:cs typeface="Roboto"/>
                 <a:sym typeface="Roboto"/>
               </a:rPr>
               <a:t>Subscribers Count: 219.7M</a:t>
@@ -8340,9 +8317,9 @@
               <a:solidFill>
                 <a:schemeClr val="accent2"/>
               </a:solidFill>
-              <a:latin typeface="Calibri" panose="020F0502020204030204" pitchFamily="34" charset="0"/>
+              <a:latin typeface="Roboto"/>
               <a:ea typeface="Roboto"/>
-              <a:cs typeface="Calibri" panose="020F0502020204030204" pitchFamily="34" charset="0"/>
+              <a:cs typeface="Roboto"/>
               <a:sym typeface="Roboto"/>
             </a:endParaRPr>
           </a:p>
@@ -8395,9 +8372,9 @@
                 <a:solidFill>
                   <a:schemeClr val="accent3"/>
                 </a:solidFill>
-                <a:latin typeface="Calibri" panose="020F0502020204030204" pitchFamily="34" charset="0"/>
+                <a:latin typeface="Roboto"/>
                 <a:ea typeface="Roboto"/>
-                <a:cs typeface="Calibri" panose="020F0502020204030204" pitchFamily="34" charset="0"/>
+                <a:cs typeface="Roboto"/>
                 <a:sym typeface="Roboto"/>
               </a:rPr>
               <a:t>2022</a:t>
@@ -8406,9 +8383,9 @@
               <a:solidFill>
                 <a:schemeClr val="accent3"/>
               </a:solidFill>
-              <a:latin typeface="Calibri" panose="020F0502020204030204" pitchFamily="34" charset="0"/>
+              <a:latin typeface="Roboto"/>
               <a:ea typeface="Roboto"/>
-              <a:cs typeface="Calibri" panose="020F0502020204030204" pitchFamily="34" charset="0"/>
+              <a:cs typeface="Roboto"/>
               <a:sym typeface="Roboto"/>
             </a:endParaRPr>
           </a:p>
@@ -8482,9 +8459,9 @@
                 <a:solidFill>
                   <a:schemeClr val="accent3"/>
                 </a:solidFill>
-                <a:latin typeface="Calibri" panose="020F0502020204030204" pitchFamily="34" charset="0"/>
+                <a:latin typeface="Roboto"/>
                 <a:ea typeface="Roboto"/>
-                <a:cs typeface="Calibri" panose="020F0502020204030204" pitchFamily="34" charset="0"/>
+                <a:cs typeface="Roboto"/>
                 <a:sym typeface="Roboto"/>
               </a:rPr>
               <a:t>Subscribers Count: </a:t>
@@ -8494,9 +8471,8 @@
                 <a:solidFill>
                   <a:schemeClr val="accent3"/>
                 </a:solidFill>
-                <a:latin typeface="Calibri" panose="020F0502020204030204" pitchFamily="34" charset="0"/>
+                <a:latin typeface="Roboto"/>
                 <a:ea typeface="Roboto"/>
-                <a:cs typeface="Calibri" panose="020F0502020204030204" pitchFamily="34" charset="0"/>
               </a:rPr>
               <a:t>220.67M</a:t>
             </a:r>
@@ -8504,9 +8480,8 @@
               <a:solidFill>
                 <a:schemeClr val="accent3"/>
               </a:solidFill>
-              <a:latin typeface="Calibri" panose="020F0502020204030204" pitchFamily="34" charset="0"/>
+              <a:latin typeface="Roboto"/>
               <a:ea typeface="Roboto"/>
-              <a:cs typeface="Calibri" panose="020F0502020204030204" pitchFamily="34" charset="0"/>
               <a:sym typeface="Roboto"/>
             </a:endParaRPr>
           </a:p>
@@ -8521,8 +8496,7 @@
                 <a:srgbClr val="4B4F58"/>
               </a:solidFill>
               <a:effectLst/>
-              <a:latin typeface="Calibri" panose="020F0502020204030204" pitchFamily="34" charset="0"/>
-              <a:cs typeface="Calibri" panose="020F0502020204030204" pitchFamily="34" charset="0"/>
+              <a:latin typeface="-apple-system"/>
             </a:endParaRPr>
           </a:p>
           <a:p>
@@ -8542,9 +8516,9 @@
               <a:solidFill>
                 <a:srgbClr val="717171"/>
               </a:solidFill>
-              <a:latin typeface="Calibri" panose="020F0502020204030204" pitchFamily="34" charset="0"/>
+              <a:latin typeface="Roboto"/>
               <a:ea typeface="Roboto"/>
-              <a:cs typeface="Calibri" panose="020F0502020204030204" pitchFamily="34" charset="0"/>
+              <a:cs typeface="Roboto"/>
               <a:sym typeface="Roboto"/>
             </a:endParaRPr>
           </a:p>
@@ -8555,13 +8529,6 @@
   <p:clrMapOvr>
     <a:masterClrMapping/>
   </p:clrMapOvr>
-  <p:timing>
-    <p:tnLst>
-      <p:par>
-        <p:cTn id="1" dur="indefinite" restart="never" nodeType="tmRoot"/>
-      </p:par>
-    </p:tnLst>
-  </p:timing>
 </p:sld>
 </file>
 
@@ -8618,15 +8585,11 @@
                   <a:srgbClr val="202124"/>
                 </a:solidFill>
                 <a:effectLst/>
-                <a:latin typeface="Calibri" panose="020F0502020204030204" pitchFamily="34" charset="0"/>
-                <a:cs typeface="Calibri" panose="020F0502020204030204" pitchFamily="34" charset="0"/>
+                <a:latin typeface="Roboto" panose="02000000000000000000" pitchFamily="2" charset="0"/>
               </a:rPr>
               <a:t>.</a:t>
             </a:r>
-            <a:endParaRPr lang="en-US" dirty="0">
-              <a:latin typeface="Calibri" panose="020F0502020204030204" pitchFamily="34" charset="0"/>
-              <a:cs typeface="Calibri" panose="020F0502020204030204" pitchFamily="34" charset="0"/>
-            </a:endParaRPr>
+            <a:endParaRPr lang="en-US" dirty="0"/>
           </a:p>
         </p:txBody>
       </p:sp>
@@ -8680,35 +8643,17 @@
                     <a:lumMod val="10000"/>
                   </a:schemeClr>
                 </a:solidFill>
-                <a:latin typeface="Calibri" panose="020F0502020204030204" pitchFamily="34" charset="0"/>
-                <a:cs typeface="Calibri" panose="020F0502020204030204" pitchFamily="34" charset="0"/>
               </a:rPr>
               <a:t>The Main Problem</a:t>
             </a:r>
-            <a:r>
-              <a:rPr lang="en" dirty="0">
-                <a:latin typeface="Calibri" panose="020F0502020204030204" pitchFamily="34" charset="0"/>
-                <a:cs typeface="Calibri" panose="020F0502020204030204" pitchFamily="34" charset="0"/>
-              </a:rPr>
-              <a:t/>
-            </a:r>
             <a:br>
-              <a:rPr lang="en" dirty="0">
-                <a:latin typeface="Calibri" panose="020F0502020204030204" pitchFamily="34" charset="0"/>
-                <a:cs typeface="Calibri" panose="020F0502020204030204" pitchFamily="34" charset="0"/>
-              </a:rPr>
+              <a:rPr lang="en" dirty="0"/>
             </a:br>
             <a:r>
-              <a:rPr lang="en" sz="1400" dirty="0">
-                <a:latin typeface="Calibri" panose="020F0502020204030204" pitchFamily="34" charset="0"/>
-                <a:cs typeface="Calibri" panose="020F0502020204030204" pitchFamily="34" charset="0"/>
-              </a:rPr>
+              <a:rPr lang="en" sz="1400" dirty="0"/>
               <a:t>Arises when it’s time to watch some shows on Netflix</a:t>
             </a:r>
-            <a:endParaRPr sz="1400" dirty="0">
-              <a:latin typeface="Calibri" panose="020F0502020204030204" pitchFamily="34" charset="0"/>
-              <a:cs typeface="Calibri" panose="020F0502020204030204" pitchFamily="34" charset="0"/>
-            </a:endParaRPr>
+            <a:endParaRPr sz="1400" dirty="0"/>
           </a:p>
         </p:txBody>
       </p:sp>
@@ -8759,87 +8704,67 @@
                 <a:solidFill>
                   <a:schemeClr val="accent1"/>
                 </a:solidFill>
-                <a:latin typeface="Calibri" panose="020F0502020204030204" pitchFamily="34" charset="0"/>
+                <a:latin typeface="Roboto"/>
                 <a:ea typeface="Roboto"/>
-                <a:cs typeface="Calibri" panose="020F0502020204030204" pitchFamily="34" charset="0"/>
+                <a:cs typeface="Roboto"/>
                 <a:sym typeface="Roboto"/>
               </a:rPr>
               <a:t>Problem</a:t>
             </a:r>
-            <a:r>
-              <a:rPr lang="en" sz="1400" b="1" u="none" dirty="0">
-                <a:solidFill>
-                  <a:srgbClr val="7F7F7F"/>
-                </a:solidFill>
-                <a:latin typeface="Calibri" panose="020F0502020204030204" pitchFamily="34" charset="0"/>
-                <a:ea typeface="Roboto"/>
-                <a:cs typeface="Calibri" panose="020F0502020204030204" pitchFamily="34" charset="0"/>
-                <a:sym typeface="Roboto"/>
-              </a:rPr>
-              <a:t/>
-            </a:r>
             <a:br>
               <a:rPr lang="en" sz="1400" b="1" u="none" dirty="0">
                 <a:solidFill>
                   <a:srgbClr val="7F7F7F"/>
                 </a:solidFill>
-                <a:latin typeface="Calibri" panose="020F0502020204030204" pitchFamily="34" charset="0"/>
+                <a:latin typeface="Roboto"/>
                 <a:ea typeface="Roboto"/>
-                <a:cs typeface="Calibri" panose="020F0502020204030204" pitchFamily="34" charset="0"/>
+                <a:cs typeface="Roboto"/>
                 <a:sym typeface="Roboto"/>
               </a:rPr>
             </a:br>
             <a:r>
-              <a:rPr lang="en-US" sz="1100" b="1" dirty="0">
-                <a:solidFill>
-                  <a:schemeClr val="bg2">
-                    <a:lumMod val="50000"/>
-                  </a:schemeClr>
-                </a:solidFill>
-                <a:latin typeface="Calibri" panose="020F0502020204030204" pitchFamily="34" charset="0"/>
+              <a:rPr lang="en-US" sz="1000" dirty="0">
+                <a:solidFill>
+                  <a:srgbClr val="7F7F7F"/>
+                </a:solidFill>
+                <a:latin typeface="Roboto"/>
                 <a:ea typeface="Roboto"/>
-                <a:cs typeface="Calibri" panose="020F0502020204030204" pitchFamily="34" charset="0"/>
+                <a:cs typeface="Roboto"/>
                 <a:sym typeface="Roboto"/>
               </a:rPr>
               <a:t>F</a:t>
             </a:r>
             <a:r>
-              <a:rPr lang="en-US" sz="1100" b="1" u="none" dirty="0">
-                <a:solidFill>
-                  <a:schemeClr val="bg2">
-                    <a:lumMod val="50000"/>
-                  </a:schemeClr>
-                </a:solidFill>
-                <a:latin typeface="Calibri" panose="020F0502020204030204" pitchFamily="34" charset="0"/>
+              <a:rPr lang="en-US" sz="1000" b="0" u="none" dirty="0">
+                <a:solidFill>
+                  <a:srgbClr val="7F7F7F"/>
+                </a:solidFill>
+                <a:latin typeface="Roboto"/>
                 <a:ea typeface="Roboto"/>
-                <a:cs typeface="Calibri" panose="020F0502020204030204" pitchFamily="34" charset="0"/>
+                <a:cs typeface="Roboto"/>
                 <a:sym typeface="Roboto"/>
               </a:rPr>
               <a:t>rustrating when we are not able to find something interesting to watch.</a:t>
             </a:r>
             <a:r>
-              <a:rPr lang="en" sz="1100" b="1" u="none" dirty="0">
-                <a:solidFill>
-                  <a:schemeClr val="bg2">
-                    <a:lumMod val="50000"/>
-                  </a:schemeClr>
-                </a:solidFill>
-                <a:latin typeface="Calibri" panose="020F0502020204030204" pitchFamily="34" charset="0"/>
+              <a:rPr lang="en" sz="1000" b="0" u="none" dirty="0">
+                <a:solidFill>
+                  <a:srgbClr val="7F7F7F"/>
+                </a:solidFill>
+                <a:latin typeface="Roboto"/>
                 <a:ea typeface="Roboto"/>
-                <a:cs typeface="Calibri" panose="020F0502020204030204" pitchFamily="34" charset="0"/>
+                <a:cs typeface="Roboto"/>
                 <a:sym typeface="Roboto"/>
               </a:rPr>
               <a:t> </a:t>
             </a:r>
-            <a:endParaRPr sz="1100" b="1" u="none" dirty="0">
+            <a:endParaRPr sz="1050" b="0" u="none" dirty="0">
               <a:solidFill>
-                <a:schemeClr val="bg2">
-                  <a:lumMod val="50000"/>
-                </a:schemeClr>
+                <a:srgbClr val="7F7F7F"/>
               </a:solidFill>
-              <a:latin typeface="Calibri" panose="020F0502020204030204" pitchFamily="34" charset="0"/>
+              <a:latin typeface="Roboto"/>
               <a:ea typeface="Roboto"/>
-              <a:cs typeface="Calibri" panose="020F0502020204030204" pitchFamily="34" charset="0"/>
+              <a:cs typeface="Roboto"/>
               <a:sym typeface="Roboto"/>
             </a:endParaRPr>
           </a:p>
@@ -8886,9 +8811,9 @@
                 <a:solidFill>
                   <a:schemeClr val="bg1"/>
                 </a:solidFill>
-                <a:latin typeface="Calibri" panose="020F0502020204030204" pitchFamily="34" charset="0"/>
+                <a:latin typeface="Roboto"/>
                 <a:ea typeface="Roboto"/>
-                <a:cs typeface="Calibri" panose="020F0502020204030204" pitchFamily="34" charset="0"/>
+                <a:cs typeface="Roboto"/>
                 <a:sym typeface="Roboto"/>
               </a:rPr>
               <a:t>What to watch?</a:t>
@@ -8897,9 +8822,9 @@
               <a:solidFill>
                 <a:schemeClr val="bg1"/>
               </a:solidFill>
-              <a:latin typeface="Calibri" panose="020F0502020204030204" pitchFamily="34" charset="0"/>
+              <a:latin typeface="Roboto"/>
               <a:ea typeface="Roboto"/>
-              <a:cs typeface="Calibri" panose="020F0502020204030204" pitchFamily="34" charset="0"/>
+              <a:cs typeface="Roboto"/>
               <a:sym typeface="Roboto"/>
             </a:endParaRPr>
           </a:p>
@@ -9001,17 +8926,14 @@
                 <a:solidFill>
                   <a:schemeClr val="lt1"/>
                 </a:solidFill>
-                <a:latin typeface="Calibri" panose="020F0502020204030204" pitchFamily="34" charset="0"/>
+                <a:latin typeface="Roboto"/>
                 <a:ea typeface="Roboto"/>
-                <a:cs typeface="Calibri" panose="020F0502020204030204" pitchFamily="34" charset="0"/>
+                <a:cs typeface="Roboto"/>
                 <a:sym typeface="Roboto"/>
               </a:rPr>
               <a:t>01</a:t>
             </a:r>
-            <a:endParaRPr dirty="0">
-              <a:latin typeface="Calibri" panose="020F0502020204030204" pitchFamily="34" charset="0"/>
-              <a:cs typeface="Calibri" panose="020F0502020204030204" pitchFamily="34" charset="0"/>
-            </a:endParaRPr>
+            <a:endParaRPr dirty="0"/>
           </a:p>
         </p:txBody>
       </p:sp>
@@ -9020,13 +8942,6 @@
   <p:clrMapOvr>
     <a:masterClrMapping/>
   </p:clrMapOvr>
-  <p:timing>
-    <p:tnLst>
-      <p:par>
-        <p:cTn id="1" dur="indefinite" restart="never" nodeType="tmRoot"/>
-      </p:par>
-    </p:tnLst>
-  </p:timing>
 </p:sld>
 </file>
 
@@ -9059,7 +8974,7 @@
         </p:nvSpPr>
         <p:spPr>
           <a:xfrm>
-            <a:off x="294990" y="165170"/>
+            <a:off x="381000" y="341313"/>
             <a:ext cx="8368500" cy="495300"/>
           </a:xfrm>
           <a:prstGeom prst="rect">
@@ -9097,8 +9012,6 @@
                     <a:lumMod val="10000"/>
                   </a:schemeClr>
                 </a:solidFill>
-                <a:latin typeface="Calibri" panose="020F0502020204030204" pitchFamily="34" charset="0"/>
-                <a:cs typeface="Calibri" panose="020F0502020204030204" pitchFamily="34" charset="0"/>
               </a:rPr>
               <a:t>The Solution</a:t>
             </a:r>
@@ -9108,8 +9021,6 @@
                   <a:lumMod val="10000"/>
                 </a:schemeClr>
               </a:solidFill>
-              <a:latin typeface="Calibri" panose="020F0502020204030204" pitchFamily="34" charset="0"/>
-              <a:cs typeface="Calibri" panose="020F0502020204030204" pitchFamily="34" charset="0"/>
             </a:endParaRPr>
           </a:p>
         </p:txBody>
@@ -9156,9 +9067,9 @@
               <a:solidFill>
                 <a:schemeClr val="dk1"/>
               </a:solidFill>
-              <a:latin typeface="Calibri" panose="020F0502020204030204" pitchFamily="34" charset="0"/>
+              <a:latin typeface="Roboto"/>
               <a:ea typeface="Roboto"/>
-              <a:cs typeface="Calibri" panose="020F0502020204030204" pitchFamily="34" charset="0"/>
+              <a:cs typeface="Roboto"/>
               <a:sym typeface="Roboto"/>
             </a:endParaRPr>
           </a:p>
@@ -9207,23 +9118,21 @@
               <a:buNone/>
             </a:pPr>
             <a:r>
-              <a:rPr lang="en-US" sz="1200" dirty="0">
+              <a:rPr lang="en-US" sz="1100" dirty="0">
                 <a:solidFill>
                   <a:schemeClr val="bg1"/>
                 </a:solidFill>
-                <a:latin typeface="Calibri" panose="020F0502020204030204" pitchFamily="34" charset="0"/>
+                <a:latin typeface="Roboto" panose="02000000000000000000" pitchFamily="2" charset="0"/>
                 <a:ea typeface="Roboto" panose="02000000000000000000" pitchFamily="2" charset="0"/>
-                <a:cs typeface="Calibri" panose="020F0502020204030204" pitchFamily="34" charset="0"/>
               </a:rPr>
               <a:t>The main objective of the project is to analyze and understand the insights from Netflix and suggest shows based on user preference.</a:t>
             </a:r>
-            <a:endParaRPr sz="1200" dirty="0">
+            <a:endParaRPr sz="1100" dirty="0">
               <a:solidFill>
                 <a:schemeClr val="bg1"/>
               </a:solidFill>
-              <a:latin typeface="Calibri" panose="020F0502020204030204" pitchFamily="34" charset="0"/>
+              <a:latin typeface="Roboto" panose="02000000000000000000" pitchFamily="2" charset="0"/>
               <a:ea typeface="Roboto" panose="02000000000000000000" pitchFamily="2" charset="0"/>
-              <a:cs typeface="Calibri" panose="020F0502020204030204" pitchFamily="34" charset="0"/>
             </a:endParaRPr>
           </a:p>
         </p:txBody>
@@ -9324,17 +9233,14 @@
                 <a:solidFill>
                   <a:schemeClr val="lt1"/>
                 </a:solidFill>
-                <a:latin typeface="Calibri" panose="020F0502020204030204" pitchFamily="34" charset="0"/>
+                <a:latin typeface="Roboto"/>
                 <a:ea typeface="Roboto"/>
-                <a:cs typeface="Calibri" panose="020F0502020204030204" pitchFamily="34" charset="0"/>
+                <a:cs typeface="Roboto"/>
                 <a:sym typeface="Roboto"/>
               </a:rPr>
               <a:t>01</a:t>
             </a:r>
-            <a:endParaRPr>
-              <a:latin typeface="Calibri" panose="020F0502020204030204" pitchFamily="34" charset="0"/>
-              <a:cs typeface="Calibri" panose="020F0502020204030204" pitchFamily="34" charset="0"/>
-            </a:endParaRPr>
+            <a:endParaRPr/>
           </a:p>
         </p:txBody>
       </p:sp>
@@ -9380,9 +9286,9 @@
               <a:solidFill>
                 <a:schemeClr val="dk1"/>
               </a:solidFill>
-              <a:latin typeface="Calibri" panose="020F0502020204030204" pitchFamily="34" charset="0"/>
+              <a:latin typeface="Roboto"/>
               <a:ea typeface="Roboto"/>
-              <a:cs typeface="Calibri" panose="020F0502020204030204" pitchFamily="34" charset="0"/>
+              <a:cs typeface="Roboto"/>
               <a:sym typeface="Roboto"/>
             </a:endParaRPr>
           </a:p>
@@ -9431,23 +9337,22 @@
               <a:buNone/>
             </a:pPr>
             <a:r>
-              <a:rPr lang="en-US" sz="1200" dirty="0" smtClean="0">
+              <a:rPr lang="en-US" sz="1100" dirty="0">
                 <a:solidFill>
                   <a:schemeClr val="bg1"/>
                 </a:solidFill>
-                <a:latin typeface="Calibri" panose="020F0502020204030204" pitchFamily="34" charset="0"/>
+                <a:latin typeface="Roboto" panose="02000000000000000000" pitchFamily="2" charset="0"/>
                 <a:ea typeface="Roboto" panose="02000000000000000000" pitchFamily="2" charset="0"/>
-                <a:cs typeface="Calibri" panose="020F0502020204030204" pitchFamily="34" charset="0"/>
+                <a:cs typeface="Times New Roman"/>
               </a:rPr>
               <a:t>To predict 100000 movie ratings for users in a subset of original Netflix data</a:t>
             </a:r>
-            <a:endParaRPr sz="1200" dirty="0">
+            <a:endParaRPr sz="1100" dirty="0">
               <a:solidFill>
                 <a:schemeClr val="bg1"/>
               </a:solidFill>
-              <a:latin typeface="Calibri" panose="020F0502020204030204" pitchFamily="34" charset="0"/>
+              <a:latin typeface="Roboto" panose="02000000000000000000" pitchFamily="2" charset="0"/>
               <a:ea typeface="Roboto" panose="02000000000000000000" pitchFamily="2" charset="0"/>
-              <a:cs typeface="Calibri" panose="020F0502020204030204" pitchFamily="34" charset="0"/>
             </a:endParaRPr>
           </a:p>
         </p:txBody>
@@ -9548,17 +9453,14 @@
                 <a:solidFill>
                   <a:schemeClr val="lt1"/>
                 </a:solidFill>
-                <a:latin typeface="Calibri" panose="020F0502020204030204" pitchFamily="34" charset="0"/>
+                <a:latin typeface="Roboto"/>
                 <a:ea typeface="Roboto"/>
-                <a:cs typeface="Calibri" panose="020F0502020204030204" pitchFamily="34" charset="0"/>
+                <a:cs typeface="Roboto"/>
                 <a:sym typeface="Roboto"/>
               </a:rPr>
               <a:t>02</a:t>
             </a:r>
-            <a:endParaRPr>
-              <a:latin typeface="Calibri" panose="020F0502020204030204" pitchFamily="34" charset="0"/>
-              <a:cs typeface="Calibri" panose="020F0502020204030204" pitchFamily="34" charset="0"/>
-            </a:endParaRPr>
+            <a:endParaRPr/>
           </a:p>
         </p:txBody>
       </p:sp>
@@ -9604,9 +9506,9 @@
               <a:solidFill>
                 <a:schemeClr val="dk1"/>
               </a:solidFill>
-              <a:latin typeface="Calibri" panose="020F0502020204030204" pitchFamily="34" charset="0"/>
+              <a:latin typeface="Roboto"/>
               <a:ea typeface="Roboto"/>
-              <a:cs typeface="Calibri" panose="020F0502020204030204" pitchFamily="34" charset="0"/>
+              <a:cs typeface="Roboto"/>
               <a:sym typeface="Roboto"/>
             </a:endParaRPr>
           </a:p>
@@ -9638,13 +9540,13 @@
           <a:lstStyle/>
           <a:p>
             <a:r>
-              <a:rPr lang="en-US" sz="1200" dirty="0">
+              <a:rPr lang="en-US" sz="1100" dirty="0">
                 <a:solidFill>
                   <a:schemeClr val="bg1"/>
                 </a:solidFill>
-                <a:latin typeface="Calibri" panose="020F0502020204030204" pitchFamily="34" charset="0"/>
+                <a:latin typeface="Roboto" panose="02000000000000000000" pitchFamily="2" charset="0"/>
                 <a:ea typeface="Roboto" panose="02000000000000000000" pitchFamily="2" charset="0"/>
-                <a:cs typeface="Calibri" panose="020F0502020204030204" pitchFamily="34" charset="0"/>
+                <a:cs typeface="Times New Roman"/>
               </a:rPr>
               <a:t>To substantially improve the accuracy of predictions about how much someone is going to enjoy the movie based on their movie preferences.</a:t>
             </a:r>
@@ -9747,17 +9649,14 @@
                 <a:solidFill>
                   <a:schemeClr val="lt1"/>
                 </a:solidFill>
-                <a:latin typeface="Calibri" panose="020F0502020204030204" pitchFamily="34" charset="0"/>
+                <a:latin typeface="Roboto"/>
                 <a:ea typeface="Roboto"/>
-                <a:cs typeface="Calibri" panose="020F0502020204030204" pitchFamily="34" charset="0"/>
+                <a:cs typeface="Roboto"/>
                 <a:sym typeface="Roboto"/>
               </a:rPr>
               <a:t>03</a:t>
             </a:r>
-            <a:endParaRPr>
-              <a:latin typeface="Calibri" panose="020F0502020204030204" pitchFamily="34" charset="0"/>
-              <a:cs typeface="Calibri" panose="020F0502020204030204" pitchFamily="34" charset="0"/>
-            </a:endParaRPr>
+            <a:endParaRPr/>
           </a:p>
         </p:txBody>
       </p:sp>
@@ -9766,7 +9665,7 @@
           <p:cNvPr id="2" name="TextBox 1">
             <a:extLst>
               <a:ext uri="{FF2B5EF4-FFF2-40B4-BE49-F238E27FC236}">
-                <a16:creationId xmlns:a16="http://schemas.microsoft.com/office/drawing/2014/main" xmlns="" id="{FF1EBF40-5486-8B1C-7552-DC53A068ECEA}"/>
+                <a16:creationId xmlns:a16="http://schemas.microsoft.com/office/drawing/2014/main" id="{FF1EBF40-5486-8B1C-7552-DC53A068ECEA}"/>
               </a:ext>
             </a:extLst>
           </p:cNvPr>
@@ -9775,8 +9674,8 @@
         </p:nvSpPr>
         <p:spPr>
           <a:xfrm>
-            <a:off x="533133" y="914532"/>
-            <a:ext cx="7892213" cy="646331"/>
+            <a:off x="771277" y="954157"/>
+            <a:ext cx="7892213" cy="600164"/>
           </a:xfrm>
           <a:prstGeom prst="rect">
             <a:avLst/>
@@ -9790,10 +9689,9 @@
           <a:lstStyle/>
           <a:p>
             <a:r>
-              <a:rPr lang="en-US" sz="1200" dirty="0">
-                <a:latin typeface="Calibri" panose="020F0502020204030204" pitchFamily="34" charset="0"/>
+              <a:rPr lang="en-US" sz="1100" dirty="0">
+                <a:latin typeface="Roboto" panose="02000000000000000000" pitchFamily="2" charset="0"/>
                 <a:ea typeface="Roboto" panose="02000000000000000000" pitchFamily="2" charset="0"/>
-                <a:cs typeface="Calibri" panose="020F0502020204030204" pitchFamily="34" charset="0"/>
               </a:rPr>
               <a:t>Knowing the importance of recommendations on the entertainment industry, we are planning to replicate and also try to improve the ability of the recommendation algorithms. To provide movie recommendations, we have selected the Netflix which is one of the prominent platforms of OTT.</a:t>
             </a:r>
@@ -9805,13 +9703,6 @@
   <p:clrMapOvr>
     <a:masterClrMapping/>
   </p:clrMapOvr>
-  <p:timing>
-    <p:tnLst>
-      <p:par>
-        <p:cTn id="1" dur="indefinite" restart="never" nodeType="tmRoot"/>
-      </p:par>
-    </p:tnLst>
-  </p:timing>
 </p:sld>
 </file>
 
@@ -9837,7 +9728,7 @@
           <p:cNvPr id="2" name="Text Placeholder 1">
             <a:extLst>
               <a:ext uri="{FF2B5EF4-FFF2-40B4-BE49-F238E27FC236}">
-                <a16:creationId xmlns:a16="http://schemas.microsoft.com/office/drawing/2014/main" xmlns="" id="{B2F4F156-7837-87E0-EDC7-88FB374A5E9C}"/>
+                <a16:creationId xmlns:a16="http://schemas.microsoft.com/office/drawing/2014/main" id="{B2F4F156-7837-87E0-EDC7-88FB374A5E9C}"/>
               </a:ext>
             </a:extLst>
           </p:cNvPr>
@@ -9956,7 +9847,7 @@
           <p:cNvPr id="3" name="Title 2">
             <a:extLst>
               <a:ext uri="{FF2B5EF4-FFF2-40B4-BE49-F238E27FC236}">
-                <a16:creationId xmlns:a16="http://schemas.microsoft.com/office/drawing/2014/main" xmlns="" id="{BF968364-4D91-677D-C53D-13C38C0447A5}"/>
+                <a16:creationId xmlns:a16="http://schemas.microsoft.com/office/drawing/2014/main" id="{BF968364-4D91-677D-C53D-13C38C0447A5}"/>
               </a:ext>
             </a:extLst>
           </p:cNvPr>
@@ -9995,7 +9886,7 @@
           <p:cNvPr id="5" name="Picture 4">
             <a:extLst>
               <a:ext uri="{FF2B5EF4-FFF2-40B4-BE49-F238E27FC236}">
-                <a16:creationId xmlns:a16="http://schemas.microsoft.com/office/drawing/2014/main" xmlns="" id="{68027DD7-DDEC-EAB7-EC5C-984FF7B2C7B2}"/>
+                <a16:creationId xmlns:a16="http://schemas.microsoft.com/office/drawing/2014/main" id="{68027DD7-DDEC-EAB7-EC5C-984FF7B2C7B2}"/>
               </a:ext>
             </a:extLst>
           </p:cNvPr>
@@ -10025,7 +9916,7 @@
           <p:cNvPr id="6" name="TextBox 5">
             <a:extLst>
               <a:ext uri="{FF2B5EF4-FFF2-40B4-BE49-F238E27FC236}">
-                <a16:creationId xmlns:a16="http://schemas.microsoft.com/office/drawing/2014/main" xmlns="" id="{3D5635E9-ED61-8E17-29B1-106528632065}"/>
+                <a16:creationId xmlns:a16="http://schemas.microsoft.com/office/drawing/2014/main" id="{3D5635E9-ED61-8E17-29B1-106528632065}"/>
               </a:ext>
             </a:extLst>
           </p:cNvPr>
@@ -10064,7 +9955,7 @@
           <p:cNvPr id="8" name="Picture 7">
             <a:extLst>
               <a:ext uri="{FF2B5EF4-FFF2-40B4-BE49-F238E27FC236}">
-                <a16:creationId xmlns:a16="http://schemas.microsoft.com/office/drawing/2014/main" xmlns="" id="{EA760782-6F20-1A68-BB4F-E3934E6DE57B}"/>
+                <a16:creationId xmlns:a16="http://schemas.microsoft.com/office/drawing/2014/main" id="{EA760782-6F20-1A68-BB4F-E3934E6DE57B}"/>
               </a:ext>
             </a:extLst>
           </p:cNvPr>
@@ -10094,7 +9985,7 @@
           <p:cNvPr id="9" name="TextBox 8">
             <a:extLst>
               <a:ext uri="{FF2B5EF4-FFF2-40B4-BE49-F238E27FC236}">
-                <a16:creationId xmlns:a16="http://schemas.microsoft.com/office/drawing/2014/main" xmlns="" id="{7408E636-9577-6F6A-8252-FD8C329F794E}"/>
+                <a16:creationId xmlns:a16="http://schemas.microsoft.com/office/drawing/2014/main" id="{7408E636-9577-6F6A-8252-FD8C329F794E}"/>
               </a:ext>
             </a:extLst>
           </p:cNvPr>
@@ -10140,7 +10031,7 @@
           <p:cNvPr id="11" name="Picture 10">
             <a:extLst>
               <a:ext uri="{FF2B5EF4-FFF2-40B4-BE49-F238E27FC236}">
-                <a16:creationId xmlns:a16="http://schemas.microsoft.com/office/drawing/2014/main" xmlns="" id="{5EF64F0E-56B7-43AC-53A0-E0952AE1F365}"/>
+                <a16:creationId xmlns:a16="http://schemas.microsoft.com/office/drawing/2014/main" id="{5EF64F0E-56B7-43AC-53A0-E0952AE1F365}"/>
               </a:ext>
             </a:extLst>
           </p:cNvPr>
@@ -10170,7 +10061,7 @@
           <p:cNvPr id="13" name="Picture 12">
             <a:extLst>
               <a:ext uri="{FF2B5EF4-FFF2-40B4-BE49-F238E27FC236}">
-                <a16:creationId xmlns:a16="http://schemas.microsoft.com/office/drawing/2014/main" xmlns="" id="{EADDB8BB-1E6C-4D49-7FE5-ECBCB2DAD9CF}"/>
+                <a16:creationId xmlns:a16="http://schemas.microsoft.com/office/drawing/2014/main" id="{EADDB8BB-1E6C-4D49-7FE5-ECBCB2DAD9CF}"/>
               </a:ext>
             </a:extLst>
           </p:cNvPr>
@@ -10200,7 +10091,7 @@
           <p:cNvPr id="14" name="TextBox 13">
             <a:extLst>
               <a:ext uri="{FF2B5EF4-FFF2-40B4-BE49-F238E27FC236}">
-                <a16:creationId xmlns:a16="http://schemas.microsoft.com/office/drawing/2014/main" xmlns="" id="{D2BE2C7D-13D8-FEF2-D278-99AB2FFDC436}"/>
+                <a16:creationId xmlns:a16="http://schemas.microsoft.com/office/drawing/2014/main" id="{D2BE2C7D-13D8-FEF2-D278-99AB2FFDC436}"/>
               </a:ext>
             </a:extLst>
           </p:cNvPr>
@@ -10239,7 +10130,7 @@
           <p:cNvPr id="15" name="TextBox 14">
             <a:extLst>
               <a:ext uri="{FF2B5EF4-FFF2-40B4-BE49-F238E27FC236}">
-                <a16:creationId xmlns:a16="http://schemas.microsoft.com/office/drawing/2014/main" xmlns="" id="{0D57A540-82DD-DD66-8892-AD859C7C7C39}"/>
+                <a16:creationId xmlns:a16="http://schemas.microsoft.com/office/drawing/2014/main" id="{0D57A540-82DD-DD66-8892-AD859C7C7C39}"/>
               </a:ext>
             </a:extLst>
           </p:cNvPr>
@@ -10283,13 +10174,6 @@
   <p:clrMapOvr>
     <a:masterClrMapping/>
   </p:clrMapOvr>
-  <p:timing>
-    <p:tnLst>
-      <p:par>
-        <p:cTn id="1" dur="indefinite" restart="never" nodeType="tmRoot"/>
-      </p:par>
-    </p:tnLst>
-  </p:timing>
 </p:sld>
 </file>
 
@@ -10361,7 +10245,7 @@
                   </a:schemeClr>
                 </a:solidFill>
               </a:rPr>
-              <a:t>Business model / Plan</a:t>
+              <a:t>Project Plan</a:t>
             </a:r>
             <a:endParaRPr dirty="0">
               <a:solidFill>
@@ -11788,13 +11672,6 @@
   <p:clrMapOvr>
     <a:masterClrMapping/>
   </p:clrMapOvr>
-  <p:timing>
-    <p:tnLst>
-      <p:par>
-        <p:cTn id="1" dur="indefinite" restart="never" nodeType="tmRoot"/>
-      </p:par>
-    </p:tnLst>
-  </p:timing>
 </p:sld>
 </file>
 
@@ -11820,7 +11697,7 @@
           <p:cNvPr id="3" name="Title 2">
             <a:extLst>
               <a:ext uri="{FF2B5EF4-FFF2-40B4-BE49-F238E27FC236}">
-                <a16:creationId xmlns:a16="http://schemas.microsoft.com/office/drawing/2014/main" xmlns="" id="{DC1576D3-B5EA-5802-454F-0AC4DCE0AED4}"/>
+                <a16:creationId xmlns:a16="http://schemas.microsoft.com/office/drawing/2014/main" id="{DC1576D3-B5EA-5802-454F-0AC4DCE0AED4}"/>
               </a:ext>
             </a:extLst>
           </p:cNvPr>
@@ -11854,7 +11731,7 @@
           <p:cNvPr id="7" name="Google Shape;115;p19">
             <a:extLst>
               <a:ext uri="{FF2B5EF4-FFF2-40B4-BE49-F238E27FC236}">
-                <a16:creationId xmlns:a16="http://schemas.microsoft.com/office/drawing/2014/main" xmlns="" id="{BCE473C1-731C-3668-406F-B39B591ED4A0}"/>
+                <a16:creationId xmlns:a16="http://schemas.microsoft.com/office/drawing/2014/main" id="{BCE473C1-731C-3668-406F-B39B591ED4A0}"/>
               </a:ext>
             </a:extLst>
           </p:cNvPr>
@@ -12037,7 +11914,7 @@
           <p:cNvPr id="9" name="Oval 8">
             <a:extLst>
               <a:ext uri="{FF2B5EF4-FFF2-40B4-BE49-F238E27FC236}">
-                <a16:creationId xmlns:a16="http://schemas.microsoft.com/office/drawing/2014/main" xmlns="" id="{D917B124-E8F1-4307-BD31-1A9956DA36DE}"/>
+                <a16:creationId xmlns:a16="http://schemas.microsoft.com/office/drawing/2014/main" id="{D917B124-E8F1-4307-BD31-1A9956DA36DE}"/>
               </a:ext>
             </a:extLst>
           </p:cNvPr>
@@ -12086,7 +11963,7 @@
           <p:cNvPr id="10" name="Oval 9">
             <a:extLst>
               <a:ext uri="{FF2B5EF4-FFF2-40B4-BE49-F238E27FC236}">
-                <a16:creationId xmlns:a16="http://schemas.microsoft.com/office/drawing/2014/main" xmlns="" id="{8E9513FE-966B-F771-4A8D-A4332C951578}"/>
+                <a16:creationId xmlns:a16="http://schemas.microsoft.com/office/drawing/2014/main" id="{8E9513FE-966B-F771-4A8D-A4332C951578}"/>
               </a:ext>
             </a:extLst>
           </p:cNvPr>
@@ -12135,7 +12012,7 @@
           <p:cNvPr id="11" name="Oval 10">
             <a:extLst>
               <a:ext uri="{FF2B5EF4-FFF2-40B4-BE49-F238E27FC236}">
-                <a16:creationId xmlns:a16="http://schemas.microsoft.com/office/drawing/2014/main" xmlns="" id="{4D05B127-A9CF-6B2B-727D-6116C1F97EEE}"/>
+                <a16:creationId xmlns:a16="http://schemas.microsoft.com/office/drawing/2014/main" id="{4D05B127-A9CF-6B2B-727D-6116C1F97EEE}"/>
               </a:ext>
             </a:extLst>
           </p:cNvPr>
@@ -12184,7 +12061,7 @@
           <p:cNvPr id="12" name="Oval 11">
             <a:extLst>
               <a:ext uri="{FF2B5EF4-FFF2-40B4-BE49-F238E27FC236}">
-                <a16:creationId xmlns:a16="http://schemas.microsoft.com/office/drawing/2014/main" xmlns="" id="{3FCC7030-F7E6-3608-31CD-43E65319DF2D}"/>
+                <a16:creationId xmlns:a16="http://schemas.microsoft.com/office/drawing/2014/main" id="{3FCC7030-F7E6-3608-31CD-43E65319DF2D}"/>
               </a:ext>
             </a:extLst>
           </p:cNvPr>
@@ -12238,13 +12115,6 @@
   <p:clrMapOvr>
     <a:masterClrMapping/>
   </p:clrMapOvr>
-  <p:timing>
-    <p:tnLst>
-      <p:par>
-        <p:cTn id="1" dur="indefinite" restart="never" nodeType="tmRoot"/>
-      </p:par>
-    </p:tnLst>
-  </p:timing>
 </p:sld>
 </file>
 
@@ -12270,7 +12140,7 @@
           <p:cNvPr id="3" name="Title 2">
             <a:extLst>
               <a:ext uri="{FF2B5EF4-FFF2-40B4-BE49-F238E27FC236}">
-                <a16:creationId xmlns:a16="http://schemas.microsoft.com/office/drawing/2014/main" xmlns="" id="{75F28603-C12B-C27B-470D-1D5F84853B16}"/>
+                <a16:creationId xmlns:a16="http://schemas.microsoft.com/office/drawing/2014/main" id="{75F28603-C12B-C27B-470D-1D5F84853B16}"/>
               </a:ext>
             </a:extLst>
           </p:cNvPr>
@@ -12304,7 +12174,7 @@
           <p:cNvPr id="5" name="TextBox 4">
             <a:extLst>
               <a:ext uri="{FF2B5EF4-FFF2-40B4-BE49-F238E27FC236}">
-                <a16:creationId xmlns:a16="http://schemas.microsoft.com/office/drawing/2014/main" xmlns="" id="{04B12FCD-1BED-FDFF-F6BA-DB35C467B05E}"/>
+                <a16:creationId xmlns:a16="http://schemas.microsoft.com/office/drawing/2014/main" id="{04B12FCD-1BED-FDFF-F6BA-DB35C467B05E}"/>
               </a:ext>
             </a:extLst>
           </p:cNvPr>
@@ -12346,7 +12216,7 @@
           <p:cNvPr id="6" name="Google Shape;112;p19">
             <a:extLst>
               <a:ext uri="{FF2B5EF4-FFF2-40B4-BE49-F238E27FC236}">
-                <a16:creationId xmlns:a16="http://schemas.microsoft.com/office/drawing/2014/main" xmlns="" id="{2553AB8C-332C-4029-8BCD-D467F31B8104}"/>
+                <a16:creationId xmlns:a16="http://schemas.microsoft.com/office/drawing/2014/main" id="{2553AB8C-332C-4029-8BCD-D467F31B8104}"/>
               </a:ext>
             </a:extLst>
           </p:cNvPr>
@@ -12439,7 +12309,7 @@
           <p:cNvPr id="11" name="Oval 10">
             <a:extLst>
               <a:ext uri="{FF2B5EF4-FFF2-40B4-BE49-F238E27FC236}">
-                <a16:creationId xmlns:a16="http://schemas.microsoft.com/office/drawing/2014/main" xmlns="" id="{B244F693-3827-3FDE-E1D7-03EB2E54FE77}"/>
+                <a16:creationId xmlns:a16="http://schemas.microsoft.com/office/drawing/2014/main" id="{B244F693-3827-3FDE-E1D7-03EB2E54FE77}"/>
               </a:ext>
             </a:extLst>
           </p:cNvPr>
@@ -12491,7 +12361,7 @@
           <p:cNvPr id="13" name="Oval 12">
             <a:extLst>
               <a:ext uri="{FF2B5EF4-FFF2-40B4-BE49-F238E27FC236}">
-                <a16:creationId xmlns:a16="http://schemas.microsoft.com/office/drawing/2014/main" xmlns="" id="{5AA3B6BB-3B5A-B638-104E-E7DDB680FA66}"/>
+                <a16:creationId xmlns:a16="http://schemas.microsoft.com/office/drawing/2014/main" id="{5AA3B6BB-3B5A-B638-104E-E7DDB680FA66}"/>
               </a:ext>
             </a:extLst>
           </p:cNvPr>
@@ -12543,7 +12413,7 @@
           <p:cNvPr id="14" name="Oval 13">
             <a:extLst>
               <a:ext uri="{FF2B5EF4-FFF2-40B4-BE49-F238E27FC236}">
-                <a16:creationId xmlns:a16="http://schemas.microsoft.com/office/drawing/2014/main" xmlns="" id="{99150E1B-EDC9-E441-D70D-B1E7422C0882}"/>
+                <a16:creationId xmlns:a16="http://schemas.microsoft.com/office/drawing/2014/main" id="{99150E1B-EDC9-E441-D70D-B1E7422C0882}"/>
               </a:ext>
             </a:extLst>
           </p:cNvPr>
@@ -12595,7 +12465,7 @@
           <p:cNvPr id="2" name="TextBox 1">
             <a:extLst>
               <a:ext uri="{FF2B5EF4-FFF2-40B4-BE49-F238E27FC236}">
-                <a16:creationId xmlns:a16="http://schemas.microsoft.com/office/drawing/2014/main" xmlns="" id="{C5CA400A-3484-760F-185B-DD4B1EFC5DA8}"/>
+                <a16:creationId xmlns:a16="http://schemas.microsoft.com/office/drawing/2014/main" id="{C5CA400A-3484-760F-185B-DD4B1EFC5DA8}"/>
               </a:ext>
             </a:extLst>
           </p:cNvPr>
@@ -12645,7 +12515,7 @@
           <p:cNvPr id="4" name="TextBox 3">
             <a:extLst>
               <a:ext uri="{FF2B5EF4-FFF2-40B4-BE49-F238E27FC236}">
-                <a16:creationId xmlns:a16="http://schemas.microsoft.com/office/drawing/2014/main" xmlns="" id="{5D9C2360-79CC-578B-B074-5E9810963039}"/>
+                <a16:creationId xmlns:a16="http://schemas.microsoft.com/office/drawing/2014/main" id="{5D9C2360-79CC-578B-B074-5E9810963039}"/>
               </a:ext>
             </a:extLst>
           </p:cNvPr>
@@ -12692,13 +12562,6 @@
   <p:clrMapOvr>
     <a:masterClrMapping/>
   </p:clrMapOvr>
-  <p:timing>
-    <p:tnLst>
-      <p:par>
-        <p:cTn id="1" dur="indefinite" restart="never" nodeType="tmRoot"/>
-      </p:par>
-    </p:tnLst>
-  </p:timing>
 </p:sld>
 </file>
 
@@ -12724,7 +12587,7 @@
           <p:cNvPr id="3" name="Title 2">
             <a:extLst>
               <a:ext uri="{FF2B5EF4-FFF2-40B4-BE49-F238E27FC236}">
-                <a16:creationId xmlns:a16="http://schemas.microsoft.com/office/drawing/2014/main" xmlns="" id="{5EAB03E6-CA69-BD0E-666C-6B073C36134A}"/>
+                <a16:creationId xmlns:a16="http://schemas.microsoft.com/office/drawing/2014/main" id="{5EAB03E6-CA69-BD0E-666C-6B073C36134A}"/>
               </a:ext>
             </a:extLst>
           </p:cNvPr>
@@ -12769,7 +12632,7 @@
           <p:cNvPr id="4" name="Picture 3">
             <a:extLst>
               <a:ext uri="{FF2B5EF4-FFF2-40B4-BE49-F238E27FC236}">
-                <a16:creationId xmlns:a16="http://schemas.microsoft.com/office/drawing/2014/main" xmlns="" id="{66911442-67B3-ECEA-7D1B-3F92C983EC03}"/>
+                <a16:creationId xmlns:a16="http://schemas.microsoft.com/office/drawing/2014/main" id="{66911442-67B3-ECEA-7D1B-3F92C983EC03}"/>
               </a:ext>
             </a:extLst>
           </p:cNvPr>
@@ -12779,7 +12642,7 @@
           <p:nvPr/>
         </p:nvPicPr>
         <p:blipFill>
-          <a:blip r:embed="rId2"/>
+          <a:blip r:embed="rId3"/>
           <a:stretch>
             <a:fillRect/>
           </a:stretch>
@@ -12804,13 +12667,6 @@
   <p:clrMapOvr>
     <a:masterClrMapping/>
   </p:clrMapOvr>
-  <p:timing>
-    <p:tnLst>
-      <p:par>
-        <p:cTn id="1" dur="indefinite" restart="never" nodeType="tmRoot"/>
-      </p:par>
-    </p:tnLst>
-  </p:timing>
 </p:sld>
 </file>
 
